--- a/Later/Spring_Later/19_JMS/1/Spring_JMS_ActiveMQ Example with Annotations.pptx
+++ b/Later/Spring_Later/19_JMS/1/Spring_JMS_ActiveMQ Example with Annotations.pptx
@@ -4516,11 +4516,7 @@
             <a:pPr algn="ctr"/>
             <a:r>
               <a:rPr lang="en-US" sz="1200" dirty="0" smtClean="0"/>
-              <a:t>MessageProducerApp</a:t>
-            </a:r>
-            <a:r>
-              <a:rPr lang="en-US" sz="1200" dirty="0" smtClean="0"/>
-              <a:t>.java</a:t>
+              <a:t>MessageProducerApp.java</a:t>
             </a:r>
           </a:p>
           <a:p>
@@ -4673,8 +4669,8 @@
         </p:nvSpPr>
         <p:spPr>
           <a:xfrm>
-            <a:off x="2971800" y="35739"/>
-            <a:ext cx="3581400" cy="276999"/>
+            <a:off x="2088808" y="27801"/>
+            <a:ext cx="5302591" cy="276999"/>
           </a:xfrm>
           <a:prstGeom prst="rect">
             <a:avLst/>
@@ -4805,8 +4801,13 @@
             </a:r>
             <a:r>
               <a:rPr lang="en-US" sz="1200" dirty="0"/>
-              <a:t>Example with Annotations</a:t>
-            </a:r>
+              <a:t>Example with </a:t>
+            </a:r>
+            <a:r>
+              <a:rPr lang="en-US" sz="1200" dirty="0" smtClean="0"/>
+              <a:t>Annotations [Send/Receive Text Message]</a:t>
+            </a:r>
+            <a:endParaRPr lang="en-US" sz="1200" dirty="0"/>
           </a:p>
         </p:txBody>
       </p:sp>
@@ -4855,7 +4856,6 @@
               <a:rPr lang="en-US" sz="1200" dirty="0" smtClean="0"/>
               <a:t>MessageConsumerApp.java</a:t>
             </a:r>
-            <a:endParaRPr lang="en-US" sz="1200" dirty="0" smtClean="0"/>
           </a:p>
           <a:p>
             <a:pPr algn="ctr"/>
@@ -4988,151 +4988,6 @@
       </p:sp>
       <p:sp>
         <p:nvSpPr>
-          <p:cNvPr id="9" name="Rectangle 8"/>
-          <p:cNvSpPr/>
-          <p:nvPr/>
-        </p:nvSpPr>
-        <p:spPr>
-          <a:xfrm>
-            <a:off x="2971800" y="35739"/>
-            <a:ext cx="3581400" cy="276999"/>
-          </a:xfrm>
-          <a:prstGeom prst="rect">
-            <a:avLst/>
-          </a:prstGeom>
-        </p:spPr>
-        <p:style>
-          <a:lnRef idx="1">
-            <a:schemeClr val="accent4"/>
-          </a:lnRef>
-          <a:fillRef idx="3">
-            <a:schemeClr val="accent4"/>
-          </a:fillRef>
-          <a:effectRef idx="2">
-            <a:schemeClr val="accent4"/>
-          </a:effectRef>
-          <a:fontRef idx="minor">
-            <a:schemeClr val="lt1"/>
-          </a:fontRef>
-        </p:style>
-        <p:txBody>
-          <a:bodyPr wrap="square">
-            <a:spAutoFit/>
-          </a:bodyPr>
-          <a:lstStyle>
-            <a:defPPr>
-              <a:defRPr lang="en-US"/>
-            </a:defPPr>
-            <a:lvl1pPr marL="0" algn="l" defTabSz="914400" rtl="0" eaLnBrk="1" latinLnBrk="0" hangingPunct="1">
-              <a:defRPr sz="1800" kern="1200">
-                <a:solidFill>
-                  <a:schemeClr val="lt1"/>
-                </a:solidFill>
-                <a:latin typeface="+mn-lt"/>
-                <a:ea typeface="+mn-ea"/>
-                <a:cs typeface="+mn-cs"/>
-              </a:defRPr>
-            </a:lvl1pPr>
-            <a:lvl2pPr marL="457200" algn="l" defTabSz="914400" rtl="0" eaLnBrk="1" latinLnBrk="0" hangingPunct="1">
-              <a:defRPr sz="1800" kern="1200">
-                <a:solidFill>
-                  <a:schemeClr val="lt1"/>
-                </a:solidFill>
-                <a:latin typeface="+mn-lt"/>
-                <a:ea typeface="+mn-ea"/>
-                <a:cs typeface="+mn-cs"/>
-              </a:defRPr>
-            </a:lvl2pPr>
-            <a:lvl3pPr marL="914400" algn="l" defTabSz="914400" rtl="0" eaLnBrk="1" latinLnBrk="0" hangingPunct="1">
-              <a:defRPr sz="1800" kern="1200">
-                <a:solidFill>
-                  <a:schemeClr val="lt1"/>
-                </a:solidFill>
-                <a:latin typeface="+mn-lt"/>
-                <a:ea typeface="+mn-ea"/>
-                <a:cs typeface="+mn-cs"/>
-              </a:defRPr>
-            </a:lvl3pPr>
-            <a:lvl4pPr marL="1371600" algn="l" defTabSz="914400" rtl="0" eaLnBrk="1" latinLnBrk="0" hangingPunct="1">
-              <a:defRPr sz="1800" kern="1200">
-                <a:solidFill>
-                  <a:schemeClr val="lt1"/>
-                </a:solidFill>
-                <a:latin typeface="+mn-lt"/>
-                <a:ea typeface="+mn-ea"/>
-                <a:cs typeface="+mn-cs"/>
-              </a:defRPr>
-            </a:lvl4pPr>
-            <a:lvl5pPr marL="1828800" algn="l" defTabSz="914400" rtl="0" eaLnBrk="1" latinLnBrk="0" hangingPunct="1">
-              <a:defRPr sz="1800" kern="1200">
-                <a:solidFill>
-                  <a:schemeClr val="lt1"/>
-                </a:solidFill>
-                <a:latin typeface="+mn-lt"/>
-                <a:ea typeface="+mn-ea"/>
-                <a:cs typeface="+mn-cs"/>
-              </a:defRPr>
-            </a:lvl5pPr>
-            <a:lvl6pPr marL="2286000" algn="l" defTabSz="914400" rtl="0" eaLnBrk="1" latinLnBrk="0" hangingPunct="1">
-              <a:defRPr sz="1800" kern="1200">
-                <a:solidFill>
-                  <a:schemeClr val="lt1"/>
-                </a:solidFill>
-                <a:latin typeface="+mn-lt"/>
-                <a:ea typeface="+mn-ea"/>
-                <a:cs typeface="+mn-cs"/>
-              </a:defRPr>
-            </a:lvl6pPr>
-            <a:lvl7pPr marL="2743200" algn="l" defTabSz="914400" rtl="0" eaLnBrk="1" latinLnBrk="0" hangingPunct="1">
-              <a:defRPr sz="1800" kern="1200">
-                <a:solidFill>
-                  <a:schemeClr val="lt1"/>
-                </a:solidFill>
-                <a:latin typeface="+mn-lt"/>
-                <a:ea typeface="+mn-ea"/>
-                <a:cs typeface="+mn-cs"/>
-              </a:defRPr>
-            </a:lvl7pPr>
-            <a:lvl8pPr marL="3200400" algn="l" defTabSz="914400" rtl="0" eaLnBrk="1" latinLnBrk="0" hangingPunct="1">
-              <a:defRPr sz="1800" kern="1200">
-                <a:solidFill>
-                  <a:schemeClr val="lt1"/>
-                </a:solidFill>
-                <a:latin typeface="+mn-lt"/>
-                <a:ea typeface="+mn-ea"/>
-                <a:cs typeface="+mn-cs"/>
-              </a:defRPr>
-            </a:lvl8pPr>
-            <a:lvl9pPr marL="3657600" algn="l" defTabSz="914400" rtl="0" eaLnBrk="1" latinLnBrk="0" hangingPunct="1">
-              <a:defRPr sz="1800" kern="1200">
-                <a:solidFill>
-                  <a:schemeClr val="lt1"/>
-                </a:solidFill>
-                <a:latin typeface="+mn-lt"/>
-                <a:ea typeface="+mn-ea"/>
-                <a:cs typeface="+mn-cs"/>
-              </a:defRPr>
-            </a:lvl9pPr>
-          </a:lstStyle>
-          <a:p>
-            <a:pPr algn="ctr" fontAlgn="base"/>
-            <a:r>
-              <a:rPr lang="en-US" sz="1200" dirty="0"/>
-              <a:t>Spring </a:t>
-            </a:r>
-            <a:r>
-              <a:rPr lang="en-US" sz="1200" dirty="0" smtClean="0"/>
-              <a:t>+ JMS + ActiveMQ </a:t>
-            </a:r>
-            <a:r>
-              <a:rPr lang="en-US" sz="1200" dirty="0"/>
-              <a:t>Example with Annotations</a:t>
-            </a:r>
-          </a:p>
-        </p:txBody>
-      </p:sp>
-      <p:sp>
-        <p:nvSpPr>
           <p:cNvPr id="6" name="AutoShape 2" descr="Image result for activemq image"/>
           <p:cNvSpPr>
             <a:spLocks noChangeAspect="1" noChangeArrowheads="1"/>
@@ -5282,6 +5137,156 @@
           </a:fontRef>
         </p:style>
       </p:cxnSp>
+      <p:sp>
+        <p:nvSpPr>
+          <p:cNvPr id="10" name="Rectangle 9"/>
+          <p:cNvSpPr/>
+          <p:nvPr/>
+        </p:nvSpPr>
+        <p:spPr>
+          <a:xfrm>
+            <a:off x="2088808" y="27801"/>
+            <a:ext cx="5302591" cy="276999"/>
+          </a:xfrm>
+          <a:prstGeom prst="rect">
+            <a:avLst/>
+          </a:prstGeom>
+        </p:spPr>
+        <p:style>
+          <a:lnRef idx="1">
+            <a:schemeClr val="accent4"/>
+          </a:lnRef>
+          <a:fillRef idx="3">
+            <a:schemeClr val="accent4"/>
+          </a:fillRef>
+          <a:effectRef idx="2">
+            <a:schemeClr val="accent4"/>
+          </a:effectRef>
+          <a:fontRef idx="minor">
+            <a:schemeClr val="lt1"/>
+          </a:fontRef>
+        </p:style>
+        <p:txBody>
+          <a:bodyPr wrap="square">
+            <a:spAutoFit/>
+          </a:bodyPr>
+          <a:lstStyle>
+            <a:defPPr>
+              <a:defRPr lang="en-US"/>
+            </a:defPPr>
+            <a:lvl1pPr marL="0" algn="l" defTabSz="914400" rtl="0" eaLnBrk="1" latinLnBrk="0" hangingPunct="1">
+              <a:defRPr sz="1800" kern="1200">
+                <a:solidFill>
+                  <a:schemeClr val="lt1"/>
+                </a:solidFill>
+                <a:latin typeface="+mn-lt"/>
+                <a:ea typeface="+mn-ea"/>
+                <a:cs typeface="+mn-cs"/>
+              </a:defRPr>
+            </a:lvl1pPr>
+            <a:lvl2pPr marL="457200" algn="l" defTabSz="914400" rtl="0" eaLnBrk="1" latinLnBrk="0" hangingPunct="1">
+              <a:defRPr sz="1800" kern="1200">
+                <a:solidFill>
+                  <a:schemeClr val="lt1"/>
+                </a:solidFill>
+                <a:latin typeface="+mn-lt"/>
+                <a:ea typeface="+mn-ea"/>
+                <a:cs typeface="+mn-cs"/>
+              </a:defRPr>
+            </a:lvl2pPr>
+            <a:lvl3pPr marL="914400" algn="l" defTabSz="914400" rtl="0" eaLnBrk="1" latinLnBrk="0" hangingPunct="1">
+              <a:defRPr sz="1800" kern="1200">
+                <a:solidFill>
+                  <a:schemeClr val="lt1"/>
+                </a:solidFill>
+                <a:latin typeface="+mn-lt"/>
+                <a:ea typeface="+mn-ea"/>
+                <a:cs typeface="+mn-cs"/>
+              </a:defRPr>
+            </a:lvl3pPr>
+            <a:lvl4pPr marL="1371600" algn="l" defTabSz="914400" rtl="0" eaLnBrk="1" latinLnBrk="0" hangingPunct="1">
+              <a:defRPr sz="1800" kern="1200">
+                <a:solidFill>
+                  <a:schemeClr val="lt1"/>
+                </a:solidFill>
+                <a:latin typeface="+mn-lt"/>
+                <a:ea typeface="+mn-ea"/>
+                <a:cs typeface="+mn-cs"/>
+              </a:defRPr>
+            </a:lvl4pPr>
+            <a:lvl5pPr marL="1828800" algn="l" defTabSz="914400" rtl="0" eaLnBrk="1" latinLnBrk="0" hangingPunct="1">
+              <a:defRPr sz="1800" kern="1200">
+                <a:solidFill>
+                  <a:schemeClr val="lt1"/>
+                </a:solidFill>
+                <a:latin typeface="+mn-lt"/>
+                <a:ea typeface="+mn-ea"/>
+                <a:cs typeface="+mn-cs"/>
+              </a:defRPr>
+            </a:lvl5pPr>
+            <a:lvl6pPr marL="2286000" algn="l" defTabSz="914400" rtl="0" eaLnBrk="1" latinLnBrk="0" hangingPunct="1">
+              <a:defRPr sz="1800" kern="1200">
+                <a:solidFill>
+                  <a:schemeClr val="lt1"/>
+                </a:solidFill>
+                <a:latin typeface="+mn-lt"/>
+                <a:ea typeface="+mn-ea"/>
+                <a:cs typeface="+mn-cs"/>
+              </a:defRPr>
+            </a:lvl6pPr>
+            <a:lvl7pPr marL="2743200" algn="l" defTabSz="914400" rtl="0" eaLnBrk="1" latinLnBrk="0" hangingPunct="1">
+              <a:defRPr sz="1800" kern="1200">
+                <a:solidFill>
+                  <a:schemeClr val="lt1"/>
+                </a:solidFill>
+                <a:latin typeface="+mn-lt"/>
+                <a:ea typeface="+mn-ea"/>
+                <a:cs typeface="+mn-cs"/>
+              </a:defRPr>
+            </a:lvl7pPr>
+            <a:lvl8pPr marL="3200400" algn="l" defTabSz="914400" rtl="0" eaLnBrk="1" latinLnBrk="0" hangingPunct="1">
+              <a:defRPr sz="1800" kern="1200">
+                <a:solidFill>
+                  <a:schemeClr val="lt1"/>
+                </a:solidFill>
+                <a:latin typeface="+mn-lt"/>
+                <a:ea typeface="+mn-ea"/>
+                <a:cs typeface="+mn-cs"/>
+              </a:defRPr>
+            </a:lvl8pPr>
+            <a:lvl9pPr marL="3657600" algn="l" defTabSz="914400" rtl="0" eaLnBrk="1" latinLnBrk="0" hangingPunct="1">
+              <a:defRPr sz="1800" kern="1200">
+                <a:solidFill>
+                  <a:schemeClr val="lt1"/>
+                </a:solidFill>
+                <a:latin typeface="+mn-lt"/>
+                <a:ea typeface="+mn-ea"/>
+                <a:cs typeface="+mn-cs"/>
+              </a:defRPr>
+            </a:lvl9pPr>
+          </a:lstStyle>
+          <a:p>
+            <a:pPr algn="ctr" fontAlgn="base"/>
+            <a:r>
+              <a:rPr lang="en-US" sz="1200" dirty="0"/>
+              <a:t>Spring </a:t>
+            </a:r>
+            <a:r>
+              <a:rPr lang="en-US" sz="1200" dirty="0" smtClean="0"/>
+              <a:t>+ JMS + ActiveMQ </a:t>
+            </a:r>
+            <a:r>
+              <a:rPr lang="en-US" sz="1200" dirty="0"/>
+              <a:t>Example with </a:t>
+            </a:r>
+            <a:r>
+              <a:rPr lang="en-US" sz="1200" dirty="0" smtClean="0"/>
+              <a:t>Annotations [Send/Receive Text Message]</a:t>
+            </a:r>
+            <a:endParaRPr lang="en-US" sz="1200" dirty="0"/>
+          </a:p>
+        </p:txBody>
+      </p:sp>
     </p:spTree>
     <p:extLst>
       <p:ext uri="{BB962C8B-B14F-4D97-AF65-F5344CB8AC3E}">
@@ -5407,151 +5412,6 @@
       </p:sp>
       <p:sp>
         <p:nvSpPr>
-          <p:cNvPr id="9" name="Rectangle 8"/>
-          <p:cNvSpPr/>
-          <p:nvPr/>
-        </p:nvSpPr>
-        <p:spPr>
-          <a:xfrm>
-            <a:off x="2971800" y="35739"/>
-            <a:ext cx="3581400" cy="276999"/>
-          </a:xfrm>
-          <a:prstGeom prst="rect">
-            <a:avLst/>
-          </a:prstGeom>
-        </p:spPr>
-        <p:style>
-          <a:lnRef idx="1">
-            <a:schemeClr val="accent4"/>
-          </a:lnRef>
-          <a:fillRef idx="3">
-            <a:schemeClr val="accent4"/>
-          </a:fillRef>
-          <a:effectRef idx="2">
-            <a:schemeClr val="accent4"/>
-          </a:effectRef>
-          <a:fontRef idx="minor">
-            <a:schemeClr val="lt1"/>
-          </a:fontRef>
-        </p:style>
-        <p:txBody>
-          <a:bodyPr wrap="square">
-            <a:spAutoFit/>
-          </a:bodyPr>
-          <a:lstStyle>
-            <a:defPPr>
-              <a:defRPr lang="en-US"/>
-            </a:defPPr>
-            <a:lvl1pPr marL="0" algn="l" defTabSz="914400" rtl="0" eaLnBrk="1" latinLnBrk="0" hangingPunct="1">
-              <a:defRPr sz="1800" kern="1200">
-                <a:solidFill>
-                  <a:schemeClr val="lt1"/>
-                </a:solidFill>
-                <a:latin typeface="+mn-lt"/>
-                <a:ea typeface="+mn-ea"/>
-                <a:cs typeface="+mn-cs"/>
-              </a:defRPr>
-            </a:lvl1pPr>
-            <a:lvl2pPr marL="457200" algn="l" defTabSz="914400" rtl="0" eaLnBrk="1" latinLnBrk="0" hangingPunct="1">
-              <a:defRPr sz="1800" kern="1200">
-                <a:solidFill>
-                  <a:schemeClr val="lt1"/>
-                </a:solidFill>
-                <a:latin typeface="+mn-lt"/>
-                <a:ea typeface="+mn-ea"/>
-                <a:cs typeface="+mn-cs"/>
-              </a:defRPr>
-            </a:lvl2pPr>
-            <a:lvl3pPr marL="914400" algn="l" defTabSz="914400" rtl="0" eaLnBrk="1" latinLnBrk="0" hangingPunct="1">
-              <a:defRPr sz="1800" kern="1200">
-                <a:solidFill>
-                  <a:schemeClr val="lt1"/>
-                </a:solidFill>
-                <a:latin typeface="+mn-lt"/>
-                <a:ea typeface="+mn-ea"/>
-                <a:cs typeface="+mn-cs"/>
-              </a:defRPr>
-            </a:lvl3pPr>
-            <a:lvl4pPr marL="1371600" algn="l" defTabSz="914400" rtl="0" eaLnBrk="1" latinLnBrk="0" hangingPunct="1">
-              <a:defRPr sz="1800" kern="1200">
-                <a:solidFill>
-                  <a:schemeClr val="lt1"/>
-                </a:solidFill>
-                <a:latin typeface="+mn-lt"/>
-                <a:ea typeface="+mn-ea"/>
-                <a:cs typeface="+mn-cs"/>
-              </a:defRPr>
-            </a:lvl4pPr>
-            <a:lvl5pPr marL="1828800" algn="l" defTabSz="914400" rtl="0" eaLnBrk="1" latinLnBrk="0" hangingPunct="1">
-              <a:defRPr sz="1800" kern="1200">
-                <a:solidFill>
-                  <a:schemeClr val="lt1"/>
-                </a:solidFill>
-                <a:latin typeface="+mn-lt"/>
-                <a:ea typeface="+mn-ea"/>
-                <a:cs typeface="+mn-cs"/>
-              </a:defRPr>
-            </a:lvl5pPr>
-            <a:lvl6pPr marL="2286000" algn="l" defTabSz="914400" rtl="0" eaLnBrk="1" latinLnBrk="0" hangingPunct="1">
-              <a:defRPr sz="1800" kern="1200">
-                <a:solidFill>
-                  <a:schemeClr val="lt1"/>
-                </a:solidFill>
-                <a:latin typeface="+mn-lt"/>
-                <a:ea typeface="+mn-ea"/>
-                <a:cs typeface="+mn-cs"/>
-              </a:defRPr>
-            </a:lvl6pPr>
-            <a:lvl7pPr marL="2743200" algn="l" defTabSz="914400" rtl="0" eaLnBrk="1" latinLnBrk="0" hangingPunct="1">
-              <a:defRPr sz="1800" kern="1200">
-                <a:solidFill>
-                  <a:schemeClr val="lt1"/>
-                </a:solidFill>
-                <a:latin typeface="+mn-lt"/>
-                <a:ea typeface="+mn-ea"/>
-                <a:cs typeface="+mn-cs"/>
-              </a:defRPr>
-            </a:lvl7pPr>
-            <a:lvl8pPr marL="3200400" algn="l" defTabSz="914400" rtl="0" eaLnBrk="1" latinLnBrk="0" hangingPunct="1">
-              <a:defRPr sz="1800" kern="1200">
-                <a:solidFill>
-                  <a:schemeClr val="lt1"/>
-                </a:solidFill>
-                <a:latin typeface="+mn-lt"/>
-                <a:ea typeface="+mn-ea"/>
-                <a:cs typeface="+mn-cs"/>
-              </a:defRPr>
-            </a:lvl8pPr>
-            <a:lvl9pPr marL="3657600" algn="l" defTabSz="914400" rtl="0" eaLnBrk="1" latinLnBrk="0" hangingPunct="1">
-              <a:defRPr sz="1800" kern="1200">
-                <a:solidFill>
-                  <a:schemeClr val="lt1"/>
-                </a:solidFill>
-                <a:latin typeface="+mn-lt"/>
-                <a:ea typeface="+mn-ea"/>
-                <a:cs typeface="+mn-cs"/>
-              </a:defRPr>
-            </a:lvl9pPr>
-          </a:lstStyle>
-          <a:p>
-            <a:pPr algn="ctr" fontAlgn="base"/>
-            <a:r>
-              <a:rPr lang="en-US" sz="1200" dirty="0"/>
-              <a:t>Spring </a:t>
-            </a:r>
-            <a:r>
-              <a:rPr lang="en-US" sz="1200" dirty="0" smtClean="0"/>
-              <a:t>+ JMS + ActiveMQ </a:t>
-            </a:r>
-            <a:r>
-              <a:rPr lang="en-US" sz="1200" dirty="0"/>
-              <a:t>Example with Annotations</a:t>
-            </a:r>
-          </a:p>
-        </p:txBody>
-      </p:sp>
-      <p:sp>
-        <p:nvSpPr>
           <p:cNvPr id="6" name="AutoShape 2" descr="Image result for activemq image"/>
           <p:cNvSpPr>
             <a:spLocks noChangeAspect="1" noChangeArrowheads="1"/>
@@ -5878,6 +5738,156 @@
               <a:rPr lang="en-US" sz="800" dirty="0"/>
               <a:t> also provides possibilities for receiving message but that is synchronous[blocks the listening application], and usually not preferred when asynchronous communication is possible.</a:t>
             </a:r>
+          </a:p>
+        </p:txBody>
+      </p:sp>
+      <p:sp>
+        <p:nvSpPr>
+          <p:cNvPr id="11" name="Rectangle 10"/>
+          <p:cNvSpPr/>
+          <p:nvPr/>
+        </p:nvSpPr>
+        <p:spPr>
+          <a:xfrm>
+            <a:off x="2088808" y="27801"/>
+            <a:ext cx="5302591" cy="276999"/>
+          </a:xfrm>
+          <a:prstGeom prst="rect">
+            <a:avLst/>
+          </a:prstGeom>
+        </p:spPr>
+        <p:style>
+          <a:lnRef idx="1">
+            <a:schemeClr val="accent4"/>
+          </a:lnRef>
+          <a:fillRef idx="3">
+            <a:schemeClr val="accent4"/>
+          </a:fillRef>
+          <a:effectRef idx="2">
+            <a:schemeClr val="accent4"/>
+          </a:effectRef>
+          <a:fontRef idx="minor">
+            <a:schemeClr val="lt1"/>
+          </a:fontRef>
+        </p:style>
+        <p:txBody>
+          <a:bodyPr wrap="square">
+            <a:spAutoFit/>
+          </a:bodyPr>
+          <a:lstStyle>
+            <a:defPPr>
+              <a:defRPr lang="en-US"/>
+            </a:defPPr>
+            <a:lvl1pPr marL="0" algn="l" defTabSz="914400" rtl="0" eaLnBrk="1" latinLnBrk="0" hangingPunct="1">
+              <a:defRPr sz="1800" kern="1200">
+                <a:solidFill>
+                  <a:schemeClr val="lt1"/>
+                </a:solidFill>
+                <a:latin typeface="+mn-lt"/>
+                <a:ea typeface="+mn-ea"/>
+                <a:cs typeface="+mn-cs"/>
+              </a:defRPr>
+            </a:lvl1pPr>
+            <a:lvl2pPr marL="457200" algn="l" defTabSz="914400" rtl="0" eaLnBrk="1" latinLnBrk="0" hangingPunct="1">
+              <a:defRPr sz="1800" kern="1200">
+                <a:solidFill>
+                  <a:schemeClr val="lt1"/>
+                </a:solidFill>
+                <a:latin typeface="+mn-lt"/>
+                <a:ea typeface="+mn-ea"/>
+                <a:cs typeface="+mn-cs"/>
+              </a:defRPr>
+            </a:lvl2pPr>
+            <a:lvl3pPr marL="914400" algn="l" defTabSz="914400" rtl="0" eaLnBrk="1" latinLnBrk="0" hangingPunct="1">
+              <a:defRPr sz="1800" kern="1200">
+                <a:solidFill>
+                  <a:schemeClr val="lt1"/>
+                </a:solidFill>
+                <a:latin typeface="+mn-lt"/>
+                <a:ea typeface="+mn-ea"/>
+                <a:cs typeface="+mn-cs"/>
+              </a:defRPr>
+            </a:lvl3pPr>
+            <a:lvl4pPr marL="1371600" algn="l" defTabSz="914400" rtl="0" eaLnBrk="1" latinLnBrk="0" hangingPunct="1">
+              <a:defRPr sz="1800" kern="1200">
+                <a:solidFill>
+                  <a:schemeClr val="lt1"/>
+                </a:solidFill>
+                <a:latin typeface="+mn-lt"/>
+                <a:ea typeface="+mn-ea"/>
+                <a:cs typeface="+mn-cs"/>
+              </a:defRPr>
+            </a:lvl4pPr>
+            <a:lvl5pPr marL="1828800" algn="l" defTabSz="914400" rtl="0" eaLnBrk="1" latinLnBrk="0" hangingPunct="1">
+              <a:defRPr sz="1800" kern="1200">
+                <a:solidFill>
+                  <a:schemeClr val="lt1"/>
+                </a:solidFill>
+                <a:latin typeface="+mn-lt"/>
+                <a:ea typeface="+mn-ea"/>
+                <a:cs typeface="+mn-cs"/>
+              </a:defRPr>
+            </a:lvl5pPr>
+            <a:lvl6pPr marL="2286000" algn="l" defTabSz="914400" rtl="0" eaLnBrk="1" latinLnBrk="0" hangingPunct="1">
+              <a:defRPr sz="1800" kern="1200">
+                <a:solidFill>
+                  <a:schemeClr val="lt1"/>
+                </a:solidFill>
+                <a:latin typeface="+mn-lt"/>
+                <a:ea typeface="+mn-ea"/>
+                <a:cs typeface="+mn-cs"/>
+              </a:defRPr>
+            </a:lvl6pPr>
+            <a:lvl7pPr marL="2743200" algn="l" defTabSz="914400" rtl="0" eaLnBrk="1" latinLnBrk="0" hangingPunct="1">
+              <a:defRPr sz="1800" kern="1200">
+                <a:solidFill>
+                  <a:schemeClr val="lt1"/>
+                </a:solidFill>
+                <a:latin typeface="+mn-lt"/>
+                <a:ea typeface="+mn-ea"/>
+                <a:cs typeface="+mn-cs"/>
+              </a:defRPr>
+            </a:lvl7pPr>
+            <a:lvl8pPr marL="3200400" algn="l" defTabSz="914400" rtl="0" eaLnBrk="1" latinLnBrk="0" hangingPunct="1">
+              <a:defRPr sz="1800" kern="1200">
+                <a:solidFill>
+                  <a:schemeClr val="lt1"/>
+                </a:solidFill>
+                <a:latin typeface="+mn-lt"/>
+                <a:ea typeface="+mn-ea"/>
+                <a:cs typeface="+mn-cs"/>
+              </a:defRPr>
+            </a:lvl8pPr>
+            <a:lvl9pPr marL="3657600" algn="l" defTabSz="914400" rtl="0" eaLnBrk="1" latinLnBrk="0" hangingPunct="1">
+              <a:defRPr sz="1800" kern="1200">
+                <a:solidFill>
+                  <a:schemeClr val="lt1"/>
+                </a:solidFill>
+                <a:latin typeface="+mn-lt"/>
+                <a:ea typeface="+mn-ea"/>
+                <a:cs typeface="+mn-cs"/>
+              </a:defRPr>
+            </a:lvl9pPr>
+          </a:lstStyle>
+          <a:p>
+            <a:pPr algn="ctr" fontAlgn="base"/>
+            <a:r>
+              <a:rPr lang="en-US" sz="1200" dirty="0"/>
+              <a:t>Spring </a:t>
+            </a:r>
+            <a:r>
+              <a:rPr lang="en-US" sz="1200" dirty="0" smtClean="0"/>
+              <a:t>+ JMS + ActiveMQ </a:t>
+            </a:r>
+            <a:r>
+              <a:rPr lang="en-US" sz="1200" dirty="0"/>
+              <a:t>Example with </a:t>
+            </a:r>
+            <a:r>
+              <a:rPr lang="en-US" sz="1200" dirty="0" smtClean="0"/>
+              <a:t>Annotations [Send/Receive Text Message]</a:t>
+            </a:r>
+            <a:endParaRPr lang="en-US" sz="1200" dirty="0"/>
           </a:p>
         </p:txBody>
       </p:sp>
@@ -6006,151 +6016,6 @@
       </p:sp>
       <p:sp>
         <p:nvSpPr>
-          <p:cNvPr id="9" name="Rectangle 8"/>
-          <p:cNvSpPr/>
-          <p:nvPr/>
-        </p:nvSpPr>
-        <p:spPr>
-          <a:xfrm>
-            <a:off x="2971800" y="35739"/>
-            <a:ext cx="3581400" cy="276999"/>
-          </a:xfrm>
-          <a:prstGeom prst="rect">
-            <a:avLst/>
-          </a:prstGeom>
-        </p:spPr>
-        <p:style>
-          <a:lnRef idx="1">
-            <a:schemeClr val="accent4"/>
-          </a:lnRef>
-          <a:fillRef idx="3">
-            <a:schemeClr val="accent4"/>
-          </a:fillRef>
-          <a:effectRef idx="2">
-            <a:schemeClr val="accent4"/>
-          </a:effectRef>
-          <a:fontRef idx="minor">
-            <a:schemeClr val="lt1"/>
-          </a:fontRef>
-        </p:style>
-        <p:txBody>
-          <a:bodyPr wrap="square">
-            <a:spAutoFit/>
-          </a:bodyPr>
-          <a:lstStyle>
-            <a:defPPr>
-              <a:defRPr lang="en-US"/>
-            </a:defPPr>
-            <a:lvl1pPr marL="0" algn="l" defTabSz="914400" rtl="0" eaLnBrk="1" latinLnBrk="0" hangingPunct="1">
-              <a:defRPr sz="1800" kern="1200">
-                <a:solidFill>
-                  <a:schemeClr val="lt1"/>
-                </a:solidFill>
-                <a:latin typeface="+mn-lt"/>
-                <a:ea typeface="+mn-ea"/>
-                <a:cs typeface="+mn-cs"/>
-              </a:defRPr>
-            </a:lvl1pPr>
-            <a:lvl2pPr marL="457200" algn="l" defTabSz="914400" rtl="0" eaLnBrk="1" latinLnBrk="0" hangingPunct="1">
-              <a:defRPr sz="1800" kern="1200">
-                <a:solidFill>
-                  <a:schemeClr val="lt1"/>
-                </a:solidFill>
-                <a:latin typeface="+mn-lt"/>
-                <a:ea typeface="+mn-ea"/>
-                <a:cs typeface="+mn-cs"/>
-              </a:defRPr>
-            </a:lvl2pPr>
-            <a:lvl3pPr marL="914400" algn="l" defTabSz="914400" rtl="0" eaLnBrk="1" latinLnBrk="0" hangingPunct="1">
-              <a:defRPr sz="1800" kern="1200">
-                <a:solidFill>
-                  <a:schemeClr val="lt1"/>
-                </a:solidFill>
-                <a:latin typeface="+mn-lt"/>
-                <a:ea typeface="+mn-ea"/>
-                <a:cs typeface="+mn-cs"/>
-              </a:defRPr>
-            </a:lvl3pPr>
-            <a:lvl4pPr marL="1371600" algn="l" defTabSz="914400" rtl="0" eaLnBrk="1" latinLnBrk="0" hangingPunct="1">
-              <a:defRPr sz="1800" kern="1200">
-                <a:solidFill>
-                  <a:schemeClr val="lt1"/>
-                </a:solidFill>
-                <a:latin typeface="+mn-lt"/>
-                <a:ea typeface="+mn-ea"/>
-                <a:cs typeface="+mn-cs"/>
-              </a:defRPr>
-            </a:lvl4pPr>
-            <a:lvl5pPr marL="1828800" algn="l" defTabSz="914400" rtl="0" eaLnBrk="1" latinLnBrk="0" hangingPunct="1">
-              <a:defRPr sz="1800" kern="1200">
-                <a:solidFill>
-                  <a:schemeClr val="lt1"/>
-                </a:solidFill>
-                <a:latin typeface="+mn-lt"/>
-                <a:ea typeface="+mn-ea"/>
-                <a:cs typeface="+mn-cs"/>
-              </a:defRPr>
-            </a:lvl5pPr>
-            <a:lvl6pPr marL="2286000" algn="l" defTabSz="914400" rtl="0" eaLnBrk="1" latinLnBrk="0" hangingPunct="1">
-              <a:defRPr sz="1800" kern="1200">
-                <a:solidFill>
-                  <a:schemeClr val="lt1"/>
-                </a:solidFill>
-                <a:latin typeface="+mn-lt"/>
-                <a:ea typeface="+mn-ea"/>
-                <a:cs typeface="+mn-cs"/>
-              </a:defRPr>
-            </a:lvl6pPr>
-            <a:lvl7pPr marL="2743200" algn="l" defTabSz="914400" rtl="0" eaLnBrk="1" latinLnBrk="0" hangingPunct="1">
-              <a:defRPr sz="1800" kern="1200">
-                <a:solidFill>
-                  <a:schemeClr val="lt1"/>
-                </a:solidFill>
-                <a:latin typeface="+mn-lt"/>
-                <a:ea typeface="+mn-ea"/>
-                <a:cs typeface="+mn-cs"/>
-              </a:defRPr>
-            </a:lvl7pPr>
-            <a:lvl8pPr marL="3200400" algn="l" defTabSz="914400" rtl="0" eaLnBrk="1" latinLnBrk="0" hangingPunct="1">
-              <a:defRPr sz="1800" kern="1200">
-                <a:solidFill>
-                  <a:schemeClr val="lt1"/>
-                </a:solidFill>
-                <a:latin typeface="+mn-lt"/>
-                <a:ea typeface="+mn-ea"/>
-                <a:cs typeface="+mn-cs"/>
-              </a:defRPr>
-            </a:lvl8pPr>
-            <a:lvl9pPr marL="3657600" algn="l" defTabSz="914400" rtl="0" eaLnBrk="1" latinLnBrk="0" hangingPunct="1">
-              <a:defRPr sz="1800" kern="1200">
-                <a:solidFill>
-                  <a:schemeClr val="lt1"/>
-                </a:solidFill>
-                <a:latin typeface="+mn-lt"/>
-                <a:ea typeface="+mn-ea"/>
-                <a:cs typeface="+mn-cs"/>
-              </a:defRPr>
-            </a:lvl9pPr>
-          </a:lstStyle>
-          <a:p>
-            <a:pPr algn="ctr" fontAlgn="base"/>
-            <a:r>
-              <a:rPr lang="en-US" sz="1200" dirty="0"/>
-              <a:t>Spring </a:t>
-            </a:r>
-            <a:r>
-              <a:rPr lang="en-US" sz="1200" dirty="0" smtClean="0"/>
-              <a:t>+ JMS + ActiveMQ </a:t>
-            </a:r>
-            <a:r>
-              <a:rPr lang="en-US" sz="1200" dirty="0"/>
-              <a:t>Example with Annotations</a:t>
-            </a:r>
-          </a:p>
-        </p:txBody>
-      </p:sp>
-      <p:sp>
-        <p:nvSpPr>
           <p:cNvPr id="6" name="AutoShape 2" descr="Image result for activemq image"/>
           <p:cNvSpPr>
             <a:spLocks noChangeAspect="1" noChangeArrowheads="1"/>
@@ -6234,6 +6099,156 @@
           </a:fontRef>
         </p:style>
       </p:pic>
+      <p:sp>
+        <p:nvSpPr>
+          <p:cNvPr id="7" name="Rectangle 6"/>
+          <p:cNvSpPr/>
+          <p:nvPr/>
+        </p:nvSpPr>
+        <p:spPr>
+          <a:xfrm>
+            <a:off x="2088808" y="27801"/>
+            <a:ext cx="5302591" cy="276999"/>
+          </a:xfrm>
+          <a:prstGeom prst="rect">
+            <a:avLst/>
+          </a:prstGeom>
+        </p:spPr>
+        <p:style>
+          <a:lnRef idx="1">
+            <a:schemeClr val="accent4"/>
+          </a:lnRef>
+          <a:fillRef idx="3">
+            <a:schemeClr val="accent4"/>
+          </a:fillRef>
+          <a:effectRef idx="2">
+            <a:schemeClr val="accent4"/>
+          </a:effectRef>
+          <a:fontRef idx="minor">
+            <a:schemeClr val="lt1"/>
+          </a:fontRef>
+        </p:style>
+        <p:txBody>
+          <a:bodyPr wrap="square">
+            <a:spAutoFit/>
+          </a:bodyPr>
+          <a:lstStyle>
+            <a:defPPr>
+              <a:defRPr lang="en-US"/>
+            </a:defPPr>
+            <a:lvl1pPr marL="0" algn="l" defTabSz="914400" rtl="0" eaLnBrk="1" latinLnBrk="0" hangingPunct="1">
+              <a:defRPr sz="1800" kern="1200">
+                <a:solidFill>
+                  <a:schemeClr val="lt1"/>
+                </a:solidFill>
+                <a:latin typeface="+mn-lt"/>
+                <a:ea typeface="+mn-ea"/>
+                <a:cs typeface="+mn-cs"/>
+              </a:defRPr>
+            </a:lvl1pPr>
+            <a:lvl2pPr marL="457200" algn="l" defTabSz="914400" rtl="0" eaLnBrk="1" latinLnBrk="0" hangingPunct="1">
+              <a:defRPr sz="1800" kern="1200">
+                <a:solidFill>
+                  <a:schemeClr val="lt1"/>
+                </a:solidFill>
+                <a:latin typeface="+mn-lt"/>
+                <a:ea typeface="+mn-ea"/>
+                <a:cs typeface="+mn-cs"/>
+              </a:defRPr>
+            </a:lvl2pPr>
+            <a:lvl3pPr marL="914400" algn="l" defTabSz="914400" rtl="0" eaLnBrk="1" latinLnBrk="0" hangingPunct="1">
+              <a:defRPr sz="1800" kern="1200">
+                <a:solidFill>
+                  <a:schemeClr val="lt1"/>
+                </a:solidFill>
+                <a:latin typeface="+mn-lt"/>
+                <a:ea typeface="+mn-ea"/>
+                <a:cs typeface="+mn-cs"/>
+              </a:defRPr>
+            </a:lvl3pPr>
+            <a:lvl4pPr marL="1371600" algn="l" defTabSz="914400" rtl="0" eaLnBrk="1" latinLnBrk="0" hangingPunct="1">
+              <a:defRPr sz="1800" kern="1200">
+                <a:solidFill>
+                  <a:schemeClr val="lt1"/>
+                </a:solidFill>
+                <a:latin typeface="+mn-lt"/>
+                <a:ea typeface="+mn-ea"/>
+                <a:cs typeface="+mn-cs"/>
+              </a:defRPr>
+            </a:lvl4pPr>
+            <a:lvl5pPr marL="1828800" algn="l" defTabSz="914400" rtl="0" eaLnBrk="1" latinLnBrk="0" hangingPunct="1">
+              <a:defRPr sz="1800" kern="1200">
+                <a:solidFill>
+                  <a:schemeClr val="lt1"/>
+                </a:solidFill>
+                <a:latin typeface="+mn-lt"/>
+                <a:ea typeface="+mn-ea"/>
+                <a:cs typeface="+mn-cs"/>
+              </a:defRPr>
+            </a:lvl5pPr>
+            <a:lvl6pPr marL="2286000" algn="l" defTabSz="914400" rtl="0" eaLnBrk="1" latinLnBrk="0" hangingPunct="1">
+              <a:defRPr sz="1800" kern="1200">
+                <a:solidFill>
+                  <a:schemeClr val="lt1"/>
+                </a:solidFill>
+                <a:latin typeface="+mn-lt"/>
+                <a:ea typeface="+mn-ea"/>
+                <a:cs typeface="+mn-cs"/>
+              </a:defRPr>
+            </a:lvl6pPr>
+            <a:lvl7pPr marL="2743200" algn="l" defTabSz="914400" rtl="0" eaLnBrk="1" latinLnBrk="0" hangingPunct="1">
+              <a:defRPr sz="1800" kern="1200">
+                <a:solidFill>
+                  <a:schemeClr val="lt1"/>
+                </a:solidFill>
+                <a:latin typeface="+mn-lt"/>
+                <a:ea typeface="+mn-ea"/>
+                <a:cs typeface="+mn-cs"/>
+              </a:defRPr>
+            </a:lvl7pPr>
+            <a:lvl8pPr marL="3200400" algn="l" defTabSz="914400" rtl="0" eaLnBrk="1" latinLnBrk="0" hangingPunct="1">
+              <a:defRPr sz="1800" kern="1200">
+                <a:solidFill>
+                  <a:schemeClr val="lt1"/>
+                </a:solidFill>
+                <a:latin typeface="+mn-lt"/>
+                <a:ea typeface="+mn-ea"/>
+                <a:cs typeface="+mn-cs"/>
+              </a:defRPr>
+            </a:lvl8pPr>
+            <a:lvl9pPr marL="3657600" algn="l" defTabSz="914400" rtl="0" eaLnBrk="1" latinLnBrk="0" hangingPunct="1">
+              <a:defRPr sz="1800" kern="1200">
+                <a:solidFill>
+                  <a:schemeClr val="lt1"/>
+                </a:solidFill>
+                <a:latin typeface="+mn-lt"/>
+                <a:ea typeface="+mn-ea"/>
+                <a:cs typeface="+mn-cs"/>
+              </a:defRPr>
+            </a:lvl9pPr>
+          </a:lstStyle>
+          <a:p>
+            <a:pPr algn="ctr" fontAlgn="base"/>
+            <a:r>
+              <a:rPr lang="en-US" sz="1200" dirty="0"/>
+              <a:t>Spring </a:t>
+            </a:r>
+            <a:r>
+              <a:rPr lang="en-US" sz="1200" dirty="0" smtClean="0"/>
+              <a:t>+ JMS + ActiveMQ </a:t>
+            </a:r>
+            <a:r>
+              <a:rPr lang="en-US" sz="1200" dirty="0"/>
+              <a:t>Example with </a:t>
+            </a:r>
+            <a:r>
+              <a:rPr lang="en-US" sz="1200" dirty="0" smtClean="0"/>
+              <a:t>Annotations [Send/Receive Text Message]</a:t>
+            </a:r>
+            <a:endParaRPr lang="en-US" sz="1200" dirty="0"/>
+          </a:p>
+        </p:txBody>
+      </p:sp>
     </p:spTree>
     <p:extLst>
       <p:ext uri="{BB962C8B-B14F-4D97-AF65-F5344CB8AC3E}">
@@ -6359,151 +6374,6 @@
       </p:sp>
       <p:sp>
         <p:nvSpPr>
-          <p:cNvPr id="9" name="Rectangle 8"/>
-          <p:cNvSpPr/>
-          <p:nvPr/>
-        </p:nvSpPr>
-        <p:spPr>
-          <a:xfrm>
-            <a:off x="2971800" y="35739"/>
-            <a:ext cx="3581400" cy="276999"/>
-          </a:xfrm>
-          <a:prstGeom prst="rect">
-            <a:avLst/>
-          </a:prstGeom>
-        </p:spPr>
-        <p:style>
-          <a:lnRef idx="1">
-            <a:schemeClr val="accent4"/>
-          </a:lnRef>
-          <a:fillRef idx="3">
-            <a:schemeClr val="accent4"/>
-          </a:fillRef>
-          <a:effectRef idx="2">
-            <a:schemeClr val="accent4"/>
-          </a:effectRef>
-          <a:fontRef idx="minor">
-            <a:schemeClr val="lt1"/>
-          </a:fontRef>
-        </p:style>
-        <p:txBody>
-          <a:bodyPr wrap="square">
-            <a:spAutoFit/>
-          </a:bodyPr>
-          <a:lstStyle>
-            <a:defPPr>
-              <a:defRPr lang="en-US"/>
-            </a:defPPr>
-            <a:lvl1pPr marL="0" algn="l" defTabSz="914400" rtl="0" eaLnBrk="1" latinLnBrk="0" hangingPunct="1">
-              <a:defRPr sz="1800" kern="1200">
-                <a:solidFill>
-                  <a:schemeClr val="lt1"/>
-                </a:solidFill>
-                <a:latin typeface="+mn-lt"/>
-                <a:ea typeface="+mn-ea"/>
-                <a:cs typeface="+mn-cs"/>
-              </a:defRPr>
-            </a:lvl1pPr>
-            <a:lvl2pPr marL="457200" algn="l" defTabSz="914400" rtl="0" eaLnBrk="1" latinLnBrk="0" hangingPunct="1">
-              <a:defRPr sz="1800" kern="1200">
-                <a:solidFill>
-                  <a:schemeClr val="lt1"/>
-                </a:solidFill>
-                <a:latin typeface="+mn-lt"/>
-                <a:ea typeface="+mn-ea"/>
-                <a:cs typeface="+mn-cs"/>
-              </a:defRPr>
-            </a:lvl2pPr>
-            <a:lvl3pPr marL="914400" algn="l" defTabSz="914400" rtl="0" eaLnBrk="1" latinLnBrk="0" hangingPunct="1">
-              <a:defRPr sz="1800" kern="1200">
-                <a:solidFill>
-                  <a:schemeClr val="lt1"/>
-                </a:solidFill>
-                <a:latin typeface="+mn-lt"/>
-                <a:ea typeface="+mn-ea"/>
-                <a:cs typeface="+mn-cs"/>
-              </a:defRPr>
-            </a:lvl3pPr>
-            <a:lvl4pPr marL="1371600" algn="l" defTabSz="914400" rtl="0" eaLnBrk="1" latinLnBrk="0" hangingPunct="1">
-              <a:defRPr sz="1800" kern="1200">
-                <a:solidFill>
-                  <a:schemeClr val="lt1"/>
-                </a:solidFill>
-                <a:latin typeface="+mn-lt"/>
-                <a:ea typeface="+mn-ea"/>
-                <a:cs typeface="+mn-cs"/>
-              </a:defRPr>
-            </a:lvl4pPr>
-            <a:lvl5pPr marL="1828800" algn="l" defTabSz="914400" rtl="0" eaLnBrk="1" latinLnBrk="0" hangingPunct="1">
-              <a:defRPr sz="1800" kern="1200">
-                <a:solidFill>
-                  <a:schemeClr val="lt1"/>
-                </a:solidFill>
-                <a:latin typeface="+mn-lt"/>
-                <a:ea typeface="+mn-ea"/>
-                <a:cs typeface="+mn-cs"/>
-              </a:defRPr>
-            </a:lvl5pPr>
-            <a:lvl6pPr marL="2286000" algn="l" defTabSz="914400" rtl="0" eaLnBrk="1" latinLnBrk="0" hangingPunct="1">
-              <a:defRPr sz="1800" kern="1200">
-                <a:solidFill>
-                  <a:schemeClr val="lt1"/>
-                </a:solidFill>
-                <a:latin typeface="+mn-lt"/>
-                <a:ea typeface="+mn-ea"/>
-                <a:cs typeface="+mn-cs"/>
-              </a:defRPr>
-            </a:lvl6pPr>
-            <a:lvl7pPr marL="2743200" algn="l" defTabSz="914400" rtl="0" eaLnBrk="1" latinLnBrk="0" hangingPunct="1">
-              <a:defRPr sz="1800" kern="1200">
-                <a:solidFill>
-                  <a:schemeClr val="lt1"/>
-                </a:solidFill>
-                <a:latin typeface="+mn-lt"/>
-                <a:ea typeface="+mn-ea"/>
-                <a:cs typeface="+mn-cs"/>
-              </a:defRPr>
-            </a:lvl7pPr>
-            <a:lvl8pPr marL="3200400" algn="l" defTabSz="914400" rtl="0" eaLnBrk="1" latinLnBrk="0" hangingPunct="1">
-              <a:defRPr sz="1800" kern="1200">
-                <a:solidFill>
-                  <a:schemeClr val="lt1"/>
-                </a:solidFill>
-                <a:latin typeface="+mn-lt"/>
-                <a:ea typeface="+mn-ea"/>
-                <a:cs typeface="+mn-cs"/>
-              </a:defRPr>
-            </a:lvl8pPr>
-            <a:lvl9pPr marL="3657600" algn="l" defTabSz="914400" rtl="0" eaLnBrk="1" latinLnBrk="0" hangingPunct="1">
-              <a:defRPr sz="1800" kern="1200">
-                <a:solidFill>
-                  <a:schemeClr val="lt1"/>
-                </a:solidFill>
-                <a:latin typeface="+mn-lt"/>
-                <a:ea typeface="+mn-ea"/>
-                <a:cs typeface="+mn-cs"/>
-              </a:defRPr>
-            </a:lvl9pPr>
-          </a:lstStyle>
-          <a:p>
-            <a:pPr algn="ctr" fontAlgn="base"/>
-            <a:r>
-              <a:rPr lang="en-US" sz="1200" dirty="0"/>
-              <a:t>Spring </a:t>
-            </a:r>
-            <a:r>
-              <a:rPr lang="en-US" sz="1200" dirty="0" smtClean="0"/>
-              <a:t>+ JMS + ActiveMQ </a:t>
-            </a:r>
-            <a:r>
-              <a:rPr lang="en-US" sz="1200" dirty="0"/>
-              <a:t>Example with Annotations</a:t>
-            </a:r>
-          </a:p>
-        </p:txBody>
-      </p:sp>
-      <p:sp>
-        <p:nvSpPr>
           <p:cNvPr id="6" name="AutoShape 2" descr="Image result for activemq image"/>
           <p:cNvSpPr>
             <a:spLocks noChangeAspect="1" noChangeArrowheads="1"/>
@@ -6631,6 +6501,156 @@
               <a:rPr lang="en-US" sz="1200" dirty="0"/>
               <a:t>Spring further helps us by providing converters which convert Java objects to JMS messages and viceversa.</a:t>
             </a:r>
+          </a:p>
+        </p:txBody>
+      </p:sp>
+      <p:sp>
+        <p:nvSpPr>
+          <p:cNvPr id="8" name="Rectangle 7"/>
+          <p:cNvSpPr/>
+          <p:nvPr/>
+        </p:nvSpPr>
+        <p:spPr>
+          <a:xfrm>
+            <a:off x="2088808" y="27801"/>
+            <a:ext cx="5302591" cy="276999"/>
+          </a:xfrm>
+          <a:prstGeom prst="rect">
+            <a:avLst/>
+          </a:prstGeom>
+        </p:spPr>
+        <p:style>
+          <a:lnRef idx="1">
+            <a:schemeClr val="accent4"/>
+          </a:lnRef>
+          <a:fillRef idx="3">
+            <a:schemeClr val="accent4"/>
+          </a:fillRef>
+          <a:effectRef idx="2">
+            <a:schemeClr val="accent4"/>
+          </a:effectRef>
+          <a:fontRef idx="minor">
+            <a:schemeClr val="lt1"/>
+          </a:fontRef>
+        </p:style>
+        <p:txBody>
+          <a:bodyPr wrap="square">
+            <a:spAutoFit/>
+          </a:bodyPr>
+          <a:lstStyle>
+            <a:defPPr>
+              <a:defRPr lang="en-US"/>
+            </a:defPPr>
+            <a:lvl1pPr marL="0" algn="l" defTabSz="914400" rtl="0" eaLnBrk="1" latinLnBrk="0" hangingPunct="1">
+              <a:defRPr sz="1800" kern="1200">
+                <a:solidFill>
+                  <a:schemeClr val="lt1"/>
+                </a:solidFill>
+                <a:latin typeface="+mn-lt"/>
+                <a:ea typeface="+mn-ea"/>
+                <a:cs typeface="+mn-cs"/>
+              </a:defRPr>
+            </a:lvl1pPr>
+            <a:lvl2pPr marL="457200" algn="l" defTabSz="914400" rtl="0" eaLnBrk="1" latinLnBrk="0" hangingPunct="1">
+              <a:defRPr sz="1800" kern="1200">
+                <a:solidFill>
+                  <a:schemeClr val="lt1"/>
+                </a:solidFill>
+                <a:latin typeface="+mn-lt"/>
+                <a:ea typeface="+mn-ea"/>
+                <a:cs typeface="+mn-cs"/>
+              </a:defRPr>
+            </a:lvl2pPr>
+            <a:lvl3pPr marL="914400" algn="l" defTabSz="914400" rtl="0" eaLnBrk="1" latinLnBrk="0" hangingPunct="1">
+              <a:defRPr sz="1800" kern="1200">
+                <a:solidFill>
+                  <a:schemeClr val="lt1"/>
+                </a:solidFill>
+                <a:latin typeface="+mn-lt"/>
+                <a:ea typeface="+mn-ea"/>
+                <a:cs typeface="+mn-cs"/>
+              </a:defRPr>
+            </a:lvl3pPr>
+            <a:lvl4pPr marL="1371600" algn="l" defTabSz="914400" rtl="0" eaLnBrk="1" latinLnBrk="0" hangingPunct="1">
+              <a:defRPr sz="1800" kern="1200">
+                <a:solidFill>
+                  <a:schemeClr val="lt1"/>
+                </a:solidFill>
+                <a:latin typeface="+mn-lt"/>
+                <a:ea typeface="+mn-ea"/>
+                <a:cs typeface="+mn-cs"/>
+              </a:defRPr>
+            </a:lvl4pPr>
+            <a:lvl5pPr marL="1828800" algn="l" defTabSz="914400" rtl="0" eaLnBrk="1" latinLnBrk="0" hangingPunct="1">
+              <a:defRPr sz="1800" kern="1200">
+                <a:solidFill>
+                  <a:schemeClr val="lt1"/>
+                </a:solidFill>
+                <a:latin typeface="+mn-lt"/>
+                <a:ea typeface="+mn-ea"/>
+                <a:cs typeface="+mn-cs"/>
+              </a:defRPr>
+            </a:lvl5pPr>
+            <a:lvl6pPr marL="2286000" algn="l" defTabSz="914400" rtl="0" eaLnBrk="1" latinLnBrk="0" hangingPunct="1">
+              <a:defRPr sz="1800" kern="1200">
+                <a:solidFill>
+                  <a:schemeClr val="lt1"/>
+                </a:solidFill>
+                <a:latin typeface="+mn-lt"/>
+                <a:ea typeface="+mn-ea"/>
+                <a:cs typeface="+mn-cs"/>
+              </a:defRPr>
+            </a:lvl6pPr>
+            <a:lvl7pPr marL="2743200" algn="l" defTabSz="914400" rtl="0" eaLnBrk="1" latinLnBrk="0" hangingPunct="1">
+              <a:defRPr sz="1800" kern="1200">
+                <a:solidFill>
+                  <a:schemeClr val="lt1"/>
+                </a:solidFill>
+                <a:latin typeface="+mn-lt"/>
+                <a:ea typeface="+mn-ea"/>
+                <a:cs typeface="+mn-cs"/>
+              </a:defRPr>
+            </a:lvl7pPr>
+            <a:lvl8pPr marL="3200400" algn="l" defTabSz="914400" rtl="0" eaLnBrk="1" latinLnBrk="0" hangingPunct="1">
+              <a:defRPr sz="1800" kern="1200">
+                <a:solidFill>
+                  <a:schemeClr val="lt1"/>
+                </a:solidFill>
+                <a:latin typeface="+mn-lt"/>
+                <a:ea typeface="+mn-ea"/>
+                <a:cs typeface="+mn-cs"/>
+              </a:defRPr>
+            </a:lvl8pPr>
+            <a:lvl9pPr marL="3657600" algn="l" defTabSz="914400" rtl="0" eaLnBrk="1" latinLnBrk="0" hangingPunct="1">
+              <a:defRPr sz="1800" kern="1200">
+                <a:solidFill>
+                  <a:schemeClr val="lt1"/>
+                </a:solidFill>
+                <a:latin typeface="+mn-lt"/>
+                <a:ea typeface="+mn-ea"/>
+                <a:cs typeface="+mn-cs"/>
+              </a:defRPr>
+            </a:lvl9pPr>
+          </a:lstStyle>
+          <a:p>
+            <a:pPr algn="ctr" fontAlgn="base"/>
+            <a:r>
+              <a:rPr lang="en-US" sz="1200" dirty="0"/>
+              <a:t>Spring </a:t>
+            </a:r>
+            <a:r>
+              <a:rPr lang="en-US" sz="1200" dirty="0" smtClean="0"/>
+              <a:t>+ JMS + ActiveMQ </a:t>
+            </a:r>
+            <a:r>
+              <a:rPr lang="en-US" sz="1200" dirty="0"/>
+              <a:t>Example with </a:t>
+            </a:r>
+            <a:r>
+              <a:rPr lang="en-US" sz="1200" dirty="0" smtClean="0"/>
+              <a:t>Annotations [Send/Receive Text Message]</a:t>
+            </a:r>
+            <a:endParaRPr lang="en-US" sz="1200" dirty="0"/>
           </a:p>
         </p:txBody>
       </p:sp>
@@ -6805,151 +6825,6 @@
       </p:sp>
       <p:sp>
         <p:nvSpPr>
-          <p:cNvPr id="9" name="Rectangle 8"/>
-          <p:cNvSpPr/>
-          <p:nvPr/>
-        </p:nvSpPr>
-        <p:spPr>
-          <a:xfrm>
-            <a:off x="2971800" y="35739"/>
-            <a:ext cx="3581400" cy="276999"/>
-          </a:xfrm>
-          <a:prstGeom prst="rect">
-            <a:avLst/>
-          </a:prstGeom>
-        </p:spPr>
-        <p:style>
-          <a:lnRef idx="1">
-            <a:schemeClr val="accent4"/>
-          </a:lnRef>
-          <a:fillRef idx="3">
-            <a:schemeClr val="accent4"/>
-          </a:fillRef>
-          <a:effectRef idx="2">
-            <a:schemeClr val="accent4"/>
-          </a:effectRef>
-          <a:fontRef idx="minor">
-            <a:schemeClr val="lt1"/>
-          </a:fontRef>
-        </p:style>
-        <p:txBody>
-          <a:bodyPr wrap="square">
-            <a:spAutoFit/>
-          </a:bodyPr>
-          <a:lstStyle>
-            <a:defPPr>
-              <a:defRPr lang="en-US"/>
-            </a:defPPr>
-            <a:lvl1pPr marL="0" algn="l" defTabSz="914400" rtl="0" eaLnBrk="1" latinLnBrk="0" hangingPunct="1">
-              <a:defRPr sz="1800" kern="1200">
-                <a:solidFill>
-                  <a:schemeClr val="lt1"/>
-                </a:solidFill>
-                <a:latin typeface="+mn-lt"/>
-                <a:ea typeface="+mn-ea"/>
-                <a:cs typeface="+mn-cs"/>
-              </a:defRPr>
-            </a:lvl1pPr>
-            <a:lvl2pPr marL="457200" algn="l" defTabSz="914400" rtl="0" eaLnBrk="1" latinLnBrk="0" hangingPunct="1">
-              <a:defRPr sz="1800" kern="1200">
-                <a:solidFill>
-                  <a:schemeClr val="lt1"/>
-                </a:solidFill>
-                <a:latin typeface="+mn-lt"/>
-                <a:ea typeface="+mn-ea"/>
-                <a:cs typeface="+mn-cs"/>
-              </a:defRPr>
-            </a:lvl2pPr>
-            <a:lvl3pPr marL="914400" algn="l" defTabSz="914400" rtl="0" eaLnBrk="1" latinLnBrk="0" hangingPunct="1">
-              <a:defRPr sz="1800" kern="1200">
-                <a:solidFill>
-                  <a:schemeClr val="lt1"/>
-                </a:solidFill>
-                <a:latin typeface="+mn-lt"/>
-                <a:ea typeface="+mn-ea"/>
-                <a:cs typeface="+mn-cs"/>
-              </a:defRPr>
-            </a:lvl3pPr>
-            <a:lvl4pPr marL="1371600" algn="l" defTabSz="914400" rtl="0" eaLnBrk="1" latinLnBrk="0" hangingPunct="1">
-              <a:defRPr sz="1800" kern="1200">
-                <a:solidFill>
-                  <a:schemeClr val="lt1"/>
-                </a:solidFill>
-                <a:latin typeface="+mn-lt"/>
-                <a:ea typeface="+mn-ea"/>
-                <a:cs typeface="+mn-cs"/>
-              </a:defRPr>
-            </a:lvl4pPr>
-            <a:lvl5pPr marL="1828800" algn="l" defTabSz="914400" rtl="0" eaLnBrk="1" latinLnBrk="0" hangingPunct="1">
-              <a:defRPr sz="1800" kern="1200">
-                <a:solidFill>
-                  <a:schemeClr val="lt1"/>
-                </a:solidFill>
-                <a:latin typeface="+mn-lt"/>
-                <a:ea typeface="+mn-ea"/>
-                <a:cs typeface="+mn-cs"/>
-              </a:defRPr>
-            </a:lvl5pPr>
-            <a:lvl6pPr marL="2286000" algn="l" defTabSz="914400" rtl="0" eaLnBrk="1" latinLnBrk="0" hangingPunct="1">
-              <a:defRPr sz="1800" kern="1200">
-                <a:solidFill>
-                  <a:schemeClr val="lt1"/>
-                </a:solidFill>
-                <a:latin typeface="+mn-lt"/>
-                <a:ea typeface="+mn-ea"/>
-                <a:cs typeface="+mn-cs"/>
-              </a:defRPr>
-            </a:lvl6pPr>
-            <a:lvl7pPr marL="2743200" algn="l" defTabSz="914400" rtl="0" eaLnBrk="1" latinLnBrk="0" hangingPunct="1">
-              <a:defRPr sz="1800" kern="1200">
-                <a:solidFill>
-                  <a:schemeClr val="lt1"/>
-                </a:solidFill>
-                <a:latin typeface="+mn-lt"/>
-                <a:ea typeface="+mn-ea"/>
-                <a:cs typeface="+mn-cs"/>
-              </a:defRPr>
-            </a:lvl7pPr>
-            <a:lvl8pPr marL="3200400" algn="l" defTabSz="914400" rtl="0" eaLnBrk="1" latinLnBrk="0" hangingPunct="1">
-              <a:defRPr sz="1800" kern="1200">
-                <a:solidFill>
-                  <a:schemeClr val="lt1"/>
-                </a:solidFill>
-                <a:latin typeface="+mn-lt"/>
-                <a:ea typeface="+mn-ea"/>
-                <a:cs typeface="+mn-cs"/>
-              </a:defRPr>
-            </a:lvl8pPr>
-            <a:lvl9pPr marL="3657600" algn="l" defTabSz="914400" rtl="0" eaLnBrk="1" latinLnBrk="0" hangingPunct="1">
-              <a:defRPr sz="1800" kern="1200">
-                <a:solidFill>
-                  <a:schemeClr val="lt1"/>
-                </a:solidFill>
-                <a:latin typeface="+mn-lt"/>
-                <a:ea typeface="+mn-ea"/>
-                <a:cs typeface="+mn-cs"/>
-              </a:defRPr>
-            </a:lvl9pPr>
-          </a:lstStyle>
-          <a:p>
-            <a:pPr algn="ctr" fontAlgn="base"/>
-            <a:r>
-              <a:rPr lang="en-US" sz="1200" dirty="0"/>
-              <a:t>Spring </a:t>
-            </a:r>
-            <a:r>
-              <a:rPr lang="en-US" sz="1200" dirty="0" smtClean="0"/>
-              <a:t>+ JMS + ActiveMQ </a:t>
-            </a:r>
-            <a:r>
-              <a:rPr lang="en-US" sz="1200" dirty="0"/>
-              <a:t>Example with Annotations</a:t>
-            </a:r>
-          </a:p>
-        </p:txBody>
-      </p:sp>
-      <p:sp>
-        <p:nvSpPr>
           <p:cNvPr id="6" name="AutoShape 2" descr="Image result for activemq image"/>
           <p:cNvSpPr>
             <a:spLocks noChangeAspect="1" noChangeArrowheads="1"/>
@@ -7066,6 +6941,156 @@
           </a:fontRef>
         </p:style>
       </p:cxnSp>
+      <p:sp>
+        <p:nvSpPr>
+          <p:cNvPr id="11" name="Rectangle 10"/>
+          <p:cNvSpPr/>
+          <p:nvPr/>
+        </p:nvSpPr>
+        <p:spPr>
+          <a:xfrm>
+            <a:off x="2088808" y="27801"/>
+            <a:ext cx="5302591" cy="276999"/>
+          </a:xfrm>
+          <a:prstGeom prst="rect">
+            <a:avLst/>
+          </a:prstGeom>
+        </p:spPr>
+        <p:style>
+          <a:lnRef idx="1">
+            <a:schemeClr val="accent4"/>
+          </a:lnRef>
+          <a:fillRef idx="3">
+            <a:schemeClr val="accent4"/>
+          </a:fillRef>
+          <a:effectRef idx="2">
+            <a:schemeClr val="accent4"/>
+          </a:effectRef>
+          <a:fontRef idx="minor">
+            <a:schemeClr val="lt1"/>
+          </a:fontRef>
+        </p:style>
+        <p:txBody>
+          <a:bodyPr wrap="square">
+            <a:spAutoFit/>
+          </a:bodyPr>
+          <a:lstStyle>
+            <a:defPPr>
+              <a:defRPr lang="en-US"/>
+            </a:defPPr>
+            <a:lvl1pPr marL="0" algn="l" defTabSz="914400" rtl="0" eaLnBrk="1" latinLnBrk="0" hangingPunct="1">
+              <a:defRPr sz="1800" kern="1200">
+                <a:solidFill>
+                  <a:schemeClr val="lt1"/>
+                </a:solidFill>
+                <a:latin typeface="+mn-lt"/>
+                <a:ea typeface="+mn-ea"/>
+                <a:cs typeface="+mn-cs"/>
+              </a:defRPr>
+            </a:lvl1pPr>
+            <a:lvl2pPr marL="457200" algn="l" defTabSz="914400" rtl="0" eaLnBrk="1" latinLnBrk="0" hangingPunct="1">
+              <a:defRPr sz="1800" kern="1200">
+                <a:solidFill>
+                  <a:schemeClr val="lt1"/>
+                </a:solidFill>
+                <a:latin typeface="+mn-lt"/>
+                <a:ea typeface="+mn-ea"/>
+                <a:cs typeface="+mn-cs"/>
+              </a:defRPr>
+            </a:lvl2pPr>
+            <a:lvl3pPr marL="914400" algn="l" defTabSz="914400" rtl="0" eaLnBrk="1" latinLnBrk="0" hangingPunct="1">
+              <a:defRPr sz="1800" kern="1200">
+                <a:solidFill>
+                  <a:schemeClr val="lt1"/>
+                </a:solidFill>
+                <a:latin typeface="+mn-lt"/>
+                <a:ea typeface="+mn-ea"/>
+                <a:cs typeface="+mn-cs"/>
+              </a:defRPr>
+            </a:lvl3pPr>
+            <a:lvl4pPr marL="1371600" algn="l" defTabSz="914400" rtl="0" eaLnBrk="1" latinLnBrk="0" hangingPunct="1">
+              <a:defRPr sz="1800" kern="1200">
+                <a:solidFill>
+                  <a:schemeClr val="lt1"/>
+                </a:solidFill>
+                <a:latin typeface="+mn-lt"/>
+                <a:ea typeface="+mn-ea"/>
+                <a:cs typeface="+mn-cs"/>
+              </a:defRPr>
+            </a:lvl4pPr>
+            <a:lvl5pPr marL="1828800" algn="l" defTabSz="914400" rtl="0" eaLnBrk="1" latinLnBrk="0" hangingPunct="1">
+              <a:defRPr sz="1800" kern="1200">
+                <a:solidFill>
+                  <a:schemeClr val="lt1"/>
+                </a:solidFill>
+                <a:latin typeface="+mn-lt"/>
+                <a:ea typeface="+mn-ea"/>
+                <a:cs typeface="+mn-cs"/>
+              </a:defRPr>
+            </a:lvl5pPr>
+            <a:lvl6pPr marL="2286000" algn="l" defTabSz="914400" rtl="0" eaLnBrk="1" latinLnBrk="0" hangingPunct="1">
+              <a:defRPr sz="1800" kern="1200">
+                <a:solidFill>
+                  <a:schemeClr val="lt1"/>
+                </a:solidFill>
+                <a:latin typeface="+mn-lt"/>
+                <a:ea typeface="+mn-ea"/>
+                <a:cs typeface="+mn-cs"/>
+              </a:defRPr>
+            </a:lvl6pPr>
+            <a:lvl7pPr marL="2743200" algn="l" defTabSz="914400" rtl="0" eaLnBrk="1" latinLnBrk="0" hangingPunct="1">
+              <a:defRPr sz="1800" kern="1200">
+                <a:solidFill>
+                  <a:schemeClr val="lt1"/>
+                </a:solidFill>
+                <a:latin typeface="+mn-lt"/>
+                <a:ea typeface="+mn-ea"/>
+                <a:cs typeface="+mn-cs"/>
+              </a:defRPr>
+            </a:lvl7pPr>
+            <a:lvl8pPr marL="3200400" algn="l" defTabSz="914400" rtl="0" eaLnBrk="1" latinLnBrk="0" hangingPunct="1">
+              <a:defRPr sz="1800" kern="1200">
+                <a:solidFill>
+                  <a:schemeClr val="lt1"/>
+                </a:solidFill>
+                <a:latin typeface="+mn-lt"/>
+                <a:ea typeface="+mn-ea"/>
+                <a:cs typeface="+mn-cs"/>
+              </a:defRPr>
+            </a:lvl8pPr>
+            <a:lvl9pPr marL="3657600" algn="l" defTabSz="914400" rtl="0" eaLnBrk="1" latinLnBrk="0" hangingPunct="1">
+              <a:defRPr sz="1800" kern="1200">
+                <a:solidFill>
+                  <a:schemeClr val="lt1"/>
+                </a:solidFill>
+                <a:latin typeface="+mn-lt"/>
+                <a:ea typeface="+mn-ea"/>
+                <a:cs typeface="+mn-cs"/>
+              </a:defRPr>
+            </a:lvl9pPr>
+          </a:lstStyle>
+          <a:p>
+            <a:pPr algn="ctr" fontAlgn="base"/>
+            <a:r>
+              <a:rPr lang="en-US" sz="1200" dirty="0"/>
+              <a:t>Spring </a:t>
+            </a:r>
+            <a:r>
+              <a:rPr lang="en-US" sz="1200" dirty="0" smtClean="0"/>
+              <a:t>+ JMS + ActiveMQ </a:t>
+            </a:r>
+            <a:r>
+              <a:rPr lang="en-US" sz="1200" dirty="0"/>
+              <a:t>Example with </a:t>
+            </a:r>
+            <a:r>
+              <a:rPr lang="en-US" sz="1200" dirty="0" smtClean="0"/>
+              <a:t>Annotations [Send/Receive Text Message]</a:t>
+            </a:r>
+            <a:endParaRPr lang="en-US" sz="1200" dirty="0"/>
+          </a:p>
+        </p:txBody>
+      </p:sp>
     </p:spTree>
     <p:extLst>
       <p:ext uri="{BB962C8B-B14F-4D97-AF65-F5344CB8AC3E}">
@@ -7191,151 +7216,6 @@
       </p:sp>
       <p:sp>
         <p:nvSpPr>
-          <p:cNvPr id="9" name="Rectangle 8"/>
-          <p:cNvSpPr/>
-          <p:nvPr/>
-        </p:nvSpPr>
-        <p:spPr>
-          <a:xfrm>
-            <a:off x="2971800" y="35739"/>
-            <a:ext cx="3581400" cy="276999"/>
-          </a:xfrm>
-          <a:prstGeom prst="rect">
-            <a:avLst/>
-          </a:prstGeom>
-        </p:spPr>
-        <p:style>
-          <a:lnRef idx="1">
-            <a:schemeClr val="accent4"/>
-          </a:lnRef>
-          <a:fillRef idx="3">
-            <a:schemeClr val="accent4"/>
-          </a:fillRef>
-          <a:effectRef idx="2">
-            <a:schemeClr val="accent4"/>
-          </a:effectRef>
-          <a:fontRef idx="minor">
-            <a:schemeClr val="lt1"/>
-          </a:fontRef>
-        </p:style>
-        <p:txBody>
-          <a:bodyPr wrap="square">
-            <a:spAutoFit/>
-          </a:bodyPr>
-          <a:lstStyle>
-            <a:defPPr>
-              <a:defRPr lang="en-US"/>
-            </a:defPPr>
-            <a:lvl1pPr marL="0" algn="l" defTabSz="914400" rtl="0" eaLnBrk="1" latinLnBrk="0" hangingPunct="1">
-              <a:defRPr sz="1800" kern="1200">
-                <a:solidFill>
-                  <a:schemeClr val="lt1"/>
-                </a:solidFill>
-                <a:latin typeface="+mn-lt"/>
-                <a:ea typeface="+mn-ea"/>
-                <a:cs typeface="+mn-cs"/>
-              </a:defRPr>
-            </a:lvl1pPr>
-            <a:lvl2pPr marL="457200" algn="l" defTabSz="914400" rtl="0" eaLnBrk="1" latinLnBrk="0" hangingPunct="1">
-              <a:defRPr sz="1800" kern="1200">
-                <a:solidFill>
-                  <a:schemeClr val="lt1"/>
-                </a:solidFill>
-                <a:latin typeface="+mn-lt"/>
-                <a:ea typeface="+mn-ea"/>
-                <a:cs typeface="+mn-cs"/>
-              </a:defRPr>
-            </a:lvl2pPr>
-            <a:lvl3pPr marL="914400" algn="l" defTabSz="914400" rtl="0" eaLnBrk="1" latinLnBrk="0" hangingPunct="1">
-              <a:defRPr sz="1800" kern="1200">
-                <a:solidFill>
-                  <a:schemeClr val="lt1"/>
-                </a:solidFill>
-                <a:latin typeface="+mn-lt"/>
-                <a:ea typeface="+mn-ea"/>
-                <a:cs typeface="+mn-cs"/>
-              </a:defRPr>
-            </a:lvl3pPr>
-            <a:lvl4pPr marL="1371600" algn="l" defTabSz="914400" rtl="0" eaLnBrk="1" latinLnBrk="0" hangingPunct="1">
-              <a:defRPr sz="1800" kern="1200">
-                <a:solidFill>
-                  <a:schemeClr val="lt1"/>
-                </a:solidFill>
-                <a:latin typeface="+mn-lt"/>
-                <a:ea typeface="+mn-ea"/>
-                <a:cs typeface="+mn-cs"/>
-              </a:defRPr>
-            </a:lvl4pPr>
-            <a:lvl5pPr marL="1828800" algn="l" defTabSz="914400" rtl="0" eaLnBrk="1" latinLnBrk="0" hangingPunct="1">
-              <a:defRPr sz="1800" kern="1200">
-                <a:solidFill>
-                  <a:schemeClr val="lt1"/>
-                </a:solidFill>
-                <a:latin typeface="+mn-lt"/>
-                <a:ea typeface="+mn-ea"/>
-                <a:cs typeface="+mn-cs"/>
-              </a:defRPr>
-            </a:lvl5pPr>
-            <a:lvl6pPr marL="2286000" algn="l" defTabSz="914400" rtl="0" eaLnBrk="1" latinLnBrk="0" hangingPunct="1">
-              <a:defRPr sz="1800" kern="1200">
-                <a:solidFill>
-                  <a:schemeClr val="lt1"/>
-                </a:solidFill>
-                <a:latin typeface="+mn-lt"/>
-                <a:ea typeface="+mn-ea"/>
-                <a:cs typeface="+mn-cs"/>
-              </a:defRPr>
-            </a:lvl6pPr>
-            <a:lvl7pPr marL="2743200" algn="l" defTabSz="914400" rtl="0" eaLnBrk="1" latinLnBrk="0" hangingPunct="1">
-              <a:defRPr sz="1800" kern="1200">
-                <a:solidFill>
-                  <a:schemeClr val="lt1"/>
-                </a:solidFill>
-                <a:latin typeface="+mn-lt"/>
-                <a:ea typeface="+mn-ea"/>
-                <a:cs typeface="+mn-cs"/>
-              </a:defRPr>
-            </a:lvl7pPr>
-            <a:lvl8pPr marL="3200400" algn="l" defTabSz="914400" rtl="0" eaLnBrk="1" latinLnBrk="0" hangingPunct="1">
-              <a:defRPr sz="1800" kern="1200">
-                <a:solidFill>
-                  <a:schemeClr val="lt1"/>
-                </a:solidFill>
-                <a:latin typeface="+mn-lt"/>
-                <a:ea typeface="+mn-ea"/>
-                <a:cs typeface="+mn-cs"/>
-              </a:defRPr>
-            </a:lvl8pPr>
-            <a:lvl9pPr marL="3657600" algn="l" defTabSz="914400" rtl="0" eaLnBrk="1" latinLnBrk="0" hangingPunct="1">
-              <a:defRPr sz="1800" kern="1200">
-                <a:solidFill>
-                  <a:schemeClr val="lt1"/>
-                </a:solidFill>
-                <a:latin typeface="+mn-lt"/>
-                <a:ea typeface="+mn-ea"/>
-                <a:cs typeface="+mn-cs"/>
-              </a:defRPr>
-            </a:lvl9pPr>
-          </a:lstStyle>
-          <a:p>
-            <a:pPr algn="ctr" fontAlgn="base"/>
-            <a:r>
-              <a:rPr lang="en-US" sz="1200" dirty="0"/>
-              <a:t>Spring </a:t>
-            </a:r>
-            <a:r>
-              <a:rPr lang="en-US" sz="1200" dirty="0" smtClean="0"/>
-              <a:t>+ JMS + ActiveMQ </a:t>
-            </a:r>
-            <a:r>
-              <a:rPr lang="en-US" sz="1200" dirty="0"/>
-              <a:t>Example with Annotations</a:t>
-            </a:r>
-          </a:p>
-        </p:txBody>
-      </p:sp>
-      <p:sp>
-        <p:nvSpPr>
           <p:cNvPr id="6" name="AutoShape 2" descr="Image result for activemq image"/>
           <p:cNvSpPr>
             <a:spLocks noChangeAspect="1" noChangeArrowheads="1"/>
@@ -7536,6 +7416,156 @@
           </a:fontRef>
         </p:style>
       </p:cxnSp>
+      <p:sp>
+        <p:nvSpPr>
+          <p:cNvPr id="12" name="Rectangle 11"/>
+          <p:cNvSpPr/>
+          <p:nvPr/>
+        </p:nvSpPr>
+        <p:spPr>
+          <a:xfrm>
+            <a:off x="2088808" y="27801"/>
+            <a:ext cx="5302591" cy="276999"/>
+          </a:xfrm>
+          <a:prstGeom prst="rect">
+            <a:avLst/>
+          </a:prstGeom>
+        </p:spPr>
+        <p:style>
+          <a:lnRef idx="1">
+            <a:schemeClr val="accent4"/>
+          </a:lnRef>
+          <a:fillRef idx="3">
+            <a:schemeClr val="accent4"/>
+          </a:fillRef>
+          <a:effectRef idx="2">
+            <a:schemeClr val="accent4"/>
+          </a:effectRef>
+          <a:fontRef idx="minor">
+            <a:schemeClr val="lt1"/>
+          </a:fontRef>
+        </p:style>
+        <p:txBody>
+          <a:bodyPr wrap="square">
+            <a:spAutoFit/>
+          </a:bodyPr>
+          <a:lstStyle>
+            <a:defPPr>
+              <a:defRPr lang="en-US"/>
+            </a:defPPr>
+            <a:lvl1pPr marL="0" algn="l" defTabSz="914400" rtl="0" eaLnBrk="1" latinLnBrk="0" hangingPunct="1">
+              <a:defRPr sz="1800" kern="1200">
+                <a:solidFill>
+                  <a:schemeClr val="lt1"/>
+                </a:solidFill>
+                <a:latin typeface="+mn-lt"/>
+                <a:ea typeface="+mn-ea"/>
+                <a:cs typeface="+mn-cs"/>
+              </a:defRPr>
+            </a:lvl1pPr>
+            <a:lvl2pPr marL="457200" algn="l" defTabSz="914400" rtl="0" eaLnBrk="1" latinLnBrk="0" hangingPunct="1">
+              <a:defRPr sz="1800" kern="1200">
+                <a:solidFill>
+                  <a:schemeClr val="lt1"/>
+                </a:solidFill>
+                <a:latin typeface="+mn-lt"/>
+                <a:ea typeface="+mn-ea"/>
+                <a:cs typeface="+mn-cs"/>
+              </a:defRPr>
+            </a:lvl2pPr>
+            <a:lvl3pPr marL="914400" algn="l" defTabSz="914400" rtl="0" eaLnBrk="1" latinLnBrk="0" hangingPunct="1">
+              <a:defRPr sz="1800" kern="1200">
+                <a:solidFill>
+                  <a:schemeClr val="lt1"/>
+                </a:solidFill>
+                <a:latin typeface="+mn-lt"/>
+                <a:ea typeface="+mn-ea"/>
+                <a:cs typeface="+mn-cs"/>
+              </a:defRPr>
+            </a:lvl3pPr>
+            <a:lvl4pPr marL="1371600" algn="l" defTabSz="914400" rtl="0" eaLnBrk="1" latinLnBrk="0" hangingPunct="1">
+              <a:defRPr sz="1800" kern="1200">
+                <a:solidFill>
+                  <a:schemeClr val="lt1"/>
+                </a:solidFill>
+                <a:latin typeface="+mn-lt"/>
+                <a:ea typeface="+mn-ea"/>
+                <a:cs typeface="+mn-cs"/>
+              </a:defRPr>
+            </a:lvl4pPr>
+            <a:lvl5pPr marL="1828800" algn="l" defTabSz="914400" rtl="0" eaLnBrk="1" latinLnBrk="0" hangingPunct="1">
+              <a:defRPr sz="1800" kern="1200">
+                <a:solidFill>
+                  <a:schemeClr val="lt1"/>
+                </a:solidFill>
+                <a:latin typeface="+mn-lt"/>
+                <a:ea typeface="+mn-ea"/>
+                <a:cs typeface="+mn-cs"/>
+              </a:defRPr>
+            </a:lvl5pPr>
+            <a:lvl6pPr marL="2286000" algn="l" defTabSz="914400" rtl="0" eaLnBrk="1" latinLnBrk="0" hangingPunct="1">
+              <a:defRPr sz="1800" kern="1200">
+                <a:solidFill>
+                  <a:schemeClr val="lt1"/>
+                </a:solidFill>
+                <a:latin typeface="+mn-lt"/>
+                <a:ea typeface="+mn-ea"/>
+                <a:cs typeface="+mn-cs"/>
+              </a:defRPr>
+            </a:lvl6pPr>
+            <a:lvl7pPr marL="2743200" algn="l" defTabSz="914400" rtl="0" eaLnBrk="1" latinLnBrk="0" hangingPunct="1">
+              <a:defRPr sz="1800" kern="1200">
+                <a:solidFill>
+                  <a:schemeClr val="lt1"/>
+                </a:solidFill>
+                <a:latin typeface="+mn-lt"/>
+                <a:ea typeface="+mn-ea"/>
+                <a:cs typeface="+mn-cs"/>
+              </a:defRPr>
+            </a:lvl7pPr>
+            <a:lvl8pPr marL="3200400" algn="l" defTabSz="914400" rtl="0" eaLnBrk="1" latinLnBrk="0" hangingPunct="1">
+              <a:defRPr sz="1800" kern="1200">
+                <a:solidFill>
+                  <a:schemeClr val="lt1"/>
+                </a:solidFill>
+                <a:latin typeface="+mn-lt"/>
+                <a:ea typeface="+mn-ea"/>
+                <a:cs typeface="+mn-cs"/>
+              </a:defRPr>
+            </a:lvl8pPr>
+            <a:lvl9pPr marL="3657600" algn="l" defTabSz="914400" rtl="0" eaLnBrk="1" latinLnBrk="0" hangingPunct="1">
+              <a:defRPr sz="1800" kern="1200">
+                <a:solidFill>
+                  <a:schemeClr val="lt1"/>
+                </a:solidFill>
+                <a:latin typeface="+mn-lt"/>
+                <a:ea typeface="+mn-ea"/>
+                <a:cs typeface="+mn-cs"/>
+              </a:defRPr>
+            </a:lvl9pPr>
+          </a:lstStyle>
+          <a:p>
+            <a:pPr algn="ctr" fontAlgn="base"/>
+            <a:r>
+              <a:rPr lang="en-US" sz="1200" dirty="0"/>
+              <a:t>Spring </a:t>
+            </a:r>
+            <a:r>
+              <a:rPr lang="en-US" sz="1200" dirty="0" smtClean="0"/>
+              <a:t>+ JMS + ActiveMQ </a:t>
+            </a:r>
+            <a:r>
+              <a:rPr lang="en-US" sz="1200" dirty="0"/>
+              <a:t>Example with </a:t>
+            </a:r>
+            <a:r>
+              <a:rPr lang="en-US" sz="1200" dirty="0" smtClean="0"/>
+              <a:t>Annotations [Send/Receive Text Message]</a:t>
+            </a:r>
+            <a:endParaRPr lang="en-US" sz="1200" dirty="0"/>
+          </a:p>
+        </p:txBody>
+      </p:sp>
     </p:spTree>
     <p:extLst>
       <p:ext uri="{BB962C8B-B14F-4D97-AF65-F5344CB8AC3E}">
@@ -7661,151 +7691,6 @@
       </p:sp>
       <p:sp>
         <p:nvSpPr>
-          <p:cNvPr id="9" name="Rectangle 8"/>
-          <p:cNvSpPr/>
-          <p:nvPr/>
-        </p:nvSpPr>
-        <p:spPr>
-          <a:xfrm>
-            <a:off x="2971800" y="35739"/>
-            <a:ext cx="3581400" cy="276999"/>
-          </a:xfrm>
-          <a:prstGeom prst="rect">
-            <a:avLst/>
-          </a:prstGeom>
-        </p:spPr>
-        <p:style>
-          <a:lnRef idx="1">
-            <a:schemeClr val="accent4"/>
-          </a:lnRef>
-          <a:fillRef idx="3">
-            <a:schemeClr val="accent4"/>
-          </a:fillRef>
-          <a:effectRef idx="2">
-            <a:schemeClr val="accent4"/>
-          </a:effectRef>
-          <a:fontRef idx="minor">
-            <a:schemeClr val="lt1"/>
-          </a:fontRef>
-        </p:style>
-        <p:txBody>
-          <a:bodyPr wrap="square">
-            <a:spAutoFit/>
-          </a:bodyPr>
-          <a:lstStyle>
-            <a:defPPr>
-              <a:defRPr lang="en-US"/>
-            </a:defPPr>
-            <a:lvl1pPr marL="0" algn="l" defTabSz="914400" rtl="0" eaLnBrk="1" latinLnBrk="0" hangingPunct="1">
-              <a:defRPr sz="1800" kern="1200">
-                <a:solidFill>
-                  <a:schemeClr val="lt1"/>
-                </a:solidFill>
-                <a:latin typeface="+mn-lt"/>
-                <a:ea typeface="+mn-ea"/>
-                <a:cs typeface="+mn-cs"/>
-              </a:defRPr>
-            </a:lvl1pPr>
-            <a:lvl2pPr marL="457200" algn="l" defTabSz="914400" rtl="0" eaLnBrk="1" latinLnBrk="0" hangingPunct="1">
-              <a:defRPr sz="1800" kern="1200">
-                <a:solidFill>
-                  <a:schemeClr val="lt1"/>
-                </a:solidFill>
-                <a:latin typeface="+mn-lt"/>
-                <a:ea typeface="+mn-ea"/>
-                <a:cs typeface="+mn-cs"/>
-              </a:defRPr>
-            </a:lvl2pPr>
-            <a:lvl3pPr marL="914400" algn="l" defTabSz="914400" rtl="0" eaLnBrk="1" latinLnBrk="0" hangingPunct="1">
-              <a:defRPr sz="1800" kern="1200">
-                <a:solidFill>
-                  <a:schemeClr val="lt1"/>
-                </a:solidFill>
-                <a:latin typeface="+mn-lt"/>
-                <a:ea typeface="+mn-ea"/>
-                <a:cs typeface="+mn-cs"/>
-              </a:defRPr>
-            </a:lvl3pPr>
-            <a:lvl4pPr marL="1371600" algn="l" defTabSz="914400" rtl="0" eaLnBrk="1" latinLnBrk="0" hangingPunct="1">
-              <a:defRPr sz="1800" kern="1200">
-                <a:solidFill>
-                  <a:schemeClr val="lt1"/>
-                </a:solidFill>
-                <a:latin typeface="+mn-lt"/>
-                <a:ea typeface="+mn-ea"/>
-                <a:cs typeface="+mn-cs"/>
-              </a:defRPr>
-            </a:lvl4pPr>
-            <a:lvl5pPr marL="1828800" algn="l" defTabSz="914400" rtl="0" eaLnBrk="1" latinLnBrk="0" hangingPunct="1">
-              <a:defRPr sz="1800" kern="1200">
-                <a:solidFill>
-                  <a:schemeClr val="lt1"/>
-                </a:solidFill>
-                <a:latin typeface="+mn-lt"/>
-                <a:ea typeface="+mn-ea"/>
-                <a:cs typeface="+mn-cs"/>
-              </a:defRPr>
-            </a:lvl5pPr>
-            <a:lvl6pPr marL="2286000" algn="l" defTabSz="914400" rtl="0" eaLnBrk="1" latinLnBrk="0" hangingPunct="1">
-              <a:defRPr sz="1800" kern="1200">
-                <a:solidFill>
-                  <a:schemeClr val="lt1"/>
-                </a:solidFill>
-                <a:latin typeface="+mn-lt"/>
-                <a:ea typeface="+mn-ea"/>
-                <a:cs typeface="+mn-cs"/>
-              </a:defRPr>
-            </a:lvl6pPr>
-            <a:lvl7pPr marL="2743200" algn="l" defTabSz="914400" rtl="0" eaLnBrk="1" latinLnBrk="0" hangingPunct="1">
-              <a:defRPr sz="1800" kern="1200">
-                <a:solidFill>
-                  <a:schemeClr val="lt1"/>
-                </a:solidFill>
-                <a:latin typeface="+mn-lt"/>
-                <a:ea typeface="+mn-ea"/>
-                <a:cs typeface="+mn-cs"/>
-              </a:defRPr>
-            </a:lvl7pPr>
-            <a:lvl8pPr marL="3200400" algn="l" defTabSz="914400" rtl="0" eaLnBrk="1" latinLnBrk="0" hangingPunct="1">
-              <a:defRPr sz="1800" kern="1200">
-                <a:solidFill>
-                  <a:schemeClr val="lt1"/>
-                </a:solidFill>
-                <a:latin typeface="+mn-lt"/>
-                <a:ea typeface="+mn-ea"/>
-                <a:cs typeface="+mn-cs"/>
-              </a:defRPr>
-            </a:lvl8pPr>
-            <a:lvl9pPr marL="3657600" algn="l" defTabSz="914400" rtl="0" eaLnBrk="1" latinLnBrk="0" hangingPunct="1">
-              <a:defRPr sz="1800" kern="1200">
-                <a:solidFill>
-                  <a:schemeClr val="lt1"/>
-                </a:solidFill>
-                <a:latin typeface="+mn-lt"/>
-                <a:ea typeface="+mn-ea"/>
-                <a:cs typeface="+mn-cs"/>
-              </a:defRPr>
-            </a:lvl9pPr>
-          </a:lstStyle>
-          <a:p>
-            <a:pPr algn="ctr" fontAlgn="base"/>
-            <a:r>
-              <a:rPr lang="en-US" sz="1200" dirty="0"/>
-              <a:t>Spring </a:t>
-            </a:r>
-            <a:r>
-              <a:rPr lang="en-US" sz="1200" dirty="0" smtClean="0"/>
-              <a:t>+ JMS + ActiveMQ </a:t>
-            </a:r>
-            <a:r>
-              <a:rPr lang="en-US" sz="1200" dirty="0"/>
-              <a:t>Example with Annotations</a:t>
-            </a:r>
-          </a:p>
-        </p:txBody>
-      </p:sp>
-      <p:sp>
-        <p:nvSpPr>
           <p:cNvPr id="6" name="AutoShape 2" descr="Image result for activemq image"/>
           <p:cNvSpPr>
             <a:spLocks noChangeAspect="1" noChangeArrowheads="1"/>
@@ -7968,6 +7853,156 @@
           </a:fontRef>
         </p:style>
       </p:cxnSp>
+      <p:sp>
+        <p:nvSpPr>
+          <p:cNvPr id="10" name="Rectangle 9"/>
+          <p:cNvSpPr/>
+          <p:nvPr/>
+        </p:nvSpPr>
+        <p:spPr>
+          <a:xfrm>
+            <a:off x="2088808" y="27801"/>
+            <a:ext cx="5302591" cy="276999"/>
+          </a:xfrm>
+          <a:prstGeom prst="rect">
+            <a:avLst/>
+          </a:prstGeom>
+        </p:spPr>
+        <p:style>
+          <a:lnRef idx="1">
+            <a:schemeClr val="accent4"/>
+          </a:lnRef>
+          <a:fillRef idx="3">
+            <a:schemeClr val="accent4"/>
+          </a:fillRef>
+          <a:effectRef idx="2">
+            <a:schemeClr val="accent4"/>
+          </a:effectRef>
+          <a:fontRef idx="minor">
+            <a:schemeClr val="lt1"/>
+          </a:fontRef>
+        </p:style>
+        <p:txBody>
+          <a:bodyPr wrap="square">
+            <a:spAutoFit/>
+          </a:bodyPr>
+          <a:lstStyle>
+            <a:defPPr>
+              <a:defRPr lang="en-US"/>
+            </a:defPPr>
+            <a:lvl1pPr marL="0" algn="l" defTabSz="914400" rtl="0" eaLnBrk="1" latinLnBrk="0" hangingPunct="1">
+              <a:defRPr sz="1800" kern="1200">
+                <a:solidFill>
+                  <a:schemeClr val="lt1"/>
+                </a:solidFill>
+                <a:latin typeface="+mn-lt"/>
+                <a:ea typeface="+mn-ea"/>
+                <a:cs typeface="+mn-cs"/>
+              </a:defRPr>
+            </a:lvl1pPr>
+            <a:lvl2pPr marL="457200" algn="l" defTabSz="914400" rtl="0" eaLnBrk="1" latinLnBrk="0" hangingPunct="1">
+              <a:defRPr sz="1800" kern="1200">
+                <a:solidFill>
+                  <a:schemeClr val="lt1"/>
+                </a:solidFill>
+                <a:latin typeface="+mn-lt"/>
+                <a:ea typeface="+mn-ea"/>
+                <a:cs typeface="+mn-cs"/>
+              </a:defRPr>
+            </a:lvl2pPr>
+            <a:lvl3pPr marL="914400" algn="l" defTabSz="914400" rtl="0" eaLnBrk="1" latinLnBrk="0" hangingPunct="1">
+              <a:defRPr sz="1800" kern="1200">
+                <a:solidFill>
+                  <a:schemeClr val="lt1"/>
+                </a:solidFill>
+                <a:latin typeface="+mn-lt"/>
+                <a:ea typeface="+mn-ea"/>
+                <a:cs typeface="+mn-cs"/>
+              </a:defRPr>
+            </a:lvl3pPr>
+            <a:lvl4pPr marL="1371600" algn="l" defTabSz="914400" rtl="0" eaLnBrk="1" latinLnBrk="0" hangingPunct="1">
+              <a:defRPr sz="1800" kern="1200">
+                <a:solidFill>
+                  <a:schemeClr val="lt1"/>
+                </a:solidFill>
+                <a:latin typeface="+mn-lt"/>
+                <a:ea typeface="+mn-ea"/>
+                <a:cs typeface="+mn-cs"/>
+              </a:defRPr>
+            </a:lvl4pPr>
+            <a:lvl5pPr marL="1828800" algn="l" defTabSz="914400" rtl="0" eaLnBrk="1" latinLnBrk="0" hangingPunct="1">
+              <a:defRPr sz="1800" kern="1200">
+                <a:solidFill>
+                  <a:schemeClr val="lt1"/>
+                </a:solidFill>
+                <a:latin typeface="+mn-lt"/>
+                <a:ea typeface="+mn-ea"/>
+                <a:cs typeface="+mn-cs"/>
+              </a:defRPr>
+            </a:lvl5pPr>
+            <a:lvl6pPr marL="2286000" algn="l" defTabSz="914400" rtl="0" eaLnBrk="1" latinLnBrk="0" hangingPunct="1">
+              <a:defRPr sz="1800" kern="1200">
+                <a:solidFill>
+                  <a:schemeClr val="lt1"/>
+                </a:solidFill>
+                <a:latin typeface="+mn-lt"/>
+                <a:ea typeface="+mn-ea"/>
+                <a:cs typeface="+mn-cs"/>
+              </a:defRPr>
+            </a:lvl6pPr>
+            <a:lvl7pPr marL="2743200" algn="l" defTabSz="914400" rtl="0" eaLnBrk="1" latinLnBrk="0" hangingPunct="1">
+              <a:defRPr sz="1800" kern="1200">
+                <a:solidFill>
+                  <a:schemeClr val="lt1"/>
+                </a:solidFill>
+                <a:latin typeface="+mn-lt"/>
+                <a:ea typeface="+mn-ea"/>
+                <a:cs typeface="+mn-cs"/>
+              </a:defRPr>
+            </a:lvl7pPr>
+            <a:lvl8pPr marL="3200400" algn="l" defTabSz="914400" rtl="0" eaLnBrk="1" latinLnBrk="0" hangingPunct="1">
+              <a:defRPr sz="1800" kern="1200">
+                <a:solidFill>
+                  <a:schemeClr val="lt1"/>
+                </a:solidFill>
+                <a:latin typeface="+mn-lt"/>
+                <a:ea typeface="+mn-ea"/>
+                <a:cs typeface="+mn-cs"/>
+              </a:defRPr>
+            </a:lvl8pPr>
+            <a:lvl9pPr marL="3657600" algn="l" defTabSz="914400" rtl="0" eaLnBrk="1" latinLnBrk="0" hangingPunct="1">
+              <a:defRPr sz="1800" kern="1200">
+                <a:solidFill>
+                  <a:schemeClr val="lt1"/>
+                </a:solidFill>
+                <a:latin typeface="+mn-lt"/>
+                <a:ea typeface="+mn-ea"/>
+                <a:cs typeface="+mn-cs"/>
+              </a:defRPr>
+            </a:lvl9pPr>
+          </a:lstStyle>
+          <a:p>
+            <a:pPr algn="ctr" fontAlgn="base"/>
+            <a:r>
+              <a:rPr lang="en-US" sz="1200" dirty="0"/>
+              <a:t>Spring </a:t>
+            </a:r>
+            <a:r>
+              <a:rPr lang="en-US" sz="1200" dirty="0" smtClean="0"/>
+              <a:t>+ JMS + ActiveMQ </a:t>
+            </a:r>
+            <a:r>
+              <a:rPr lang="en-US" sz="1200" dirty="0"/>
+              <a:t>Example with </a:t>
+            </a:r>
+            <a:r>
+              <a:rPr lang="en-US" sz="1200" dirty="0" smtClean="0"/>
+              <a:t>Annotations [Send/Receive Text Message]</a:t>
+            </a:r>
+            <a:endParaRPr lang="en-US" sz="1200" dirty="0"/>
+          </a:p>
+        </p:txBody>
+      </p:sp>
     </p:spTree>
     <p:extLst>
       <p:ext uri="{BB962C8B-B14F-4D97-AF65-F5344CB8AC3E}">
@@ -8093,151 +8128,6 @@
       </p:sp>
       <p:sp>
         <p:nvSpPr>
-          <p:cNvPr id="9" name="Rectangle 8"/>
-          <p:cNvSpPr/>
-          <p:nvPr/>
-        </p:nvSpPr>
-        <p:spPr>
-          <a:xfrm>
-            <a:off x="2971800" y="35739"/>
-            <a:ext cx="3581400" cy="276999"/>
-          </a:xfrm>
-          <a:prstGeom prst="rect">
-            <a:avLst/>
-          </a:prstGeom>
-        </p:spPr>
-        <p:style>
-          <a:lnRef idx="1">
-            <a:schemeClr val="accent4"/>
-          </a:lnRef>
-          <a:fillRef idx="3">
-            <a:schemeClr val="accent4"/>
-          </a:fillRef>
-          <a:effectRef idx="2">
-            <a:schemeClr val="accent4"/>
-          </a:effectRef>
-          <a:fontRef idx="minor">
-            <a:schemeClr val="lt1"/>
-          </a:fontRef>
-        </p:style>
-        <p:txBody>
-          <a:bodyPr wrap="square">
-            <a:spAutoFit/>
-          </a:bodyPr>
-          <a:lstStyle>
-            <a:defPPr>
-              <a:defRPr lang="en-US"/>
-            </a:defPPr>
-            <a:lvl1pPr marL="0" algn="l" defTabSz="914400" rtl="0" eaLnBrk="1" latinLnBrk="0" hangingPunct="1">
-              <a:defRPr sz="1800" kern="1200">
-                <a:solidFill>
-                  <a:schemeClr val="lt1"/>
-                </a:solidFill>
-                <a:latin typeface="+mn-lt"/>
-                <a:ea typeface="+mn-ea"/>
-                <a:cs typeface="+mn-cs"/>
-              </a:defRPr>
-            </a:lvl1pPr>
-            <a:lvl2pPr marL="457200" algn="l" defTabSz="914400" rtl="0" eaLnBrk="1" latinLnBrk="0" hangingPunct="1">
-              <a:defRPr sz="1800" kern="1200">
-                <a:solidFill>
-                  <a:schemeClr val="lt1"/>
-                </a:solidFill>
-                <a:latin typeface="+mn-lt"/>
-                <a:ea typeface="+mn-ea"/>
-                <a:cs typeface="+mn-cs"/>
-              </a:defRPr>
-            </a:lvl2pPr>
-            <a:lvl3pPr marL="914400" algn="l" defTabSz="914400" rtl="0" eaLnBrk="1" latinLnBrk="0" hangingPunct="1">
-              <a:defRPr sz="1800" kern="1200">
-                <a:solidFill>
-                  <a:schemeClr val="lt1"/>
-                </a:solidFill>
-                <a:latin typeface="+mn-lt"/>
-                <a:ea typeface="+mn-ea"/>
-                <a:cs typeface="+mn-cs"/>
-              </a:defRPr>
-            </a:lvl3pPr>
-            <a:lvl4pPr marL="1371600" algn="l" defTabSz="914400" rtl="0" eaLnBrk="1" latinLnBrk="0" hangingPunct="1">
-              <a:defRPr sz="1800" kern="1200">
-                <a:solidFill>
-                  <a:schemeClr val="lt1"/>
-                </a:solidFill>
-                <a:latin typeface="+mn-lt"/>
-                <a:ea typeface="+mn-ea"/>
-                <a:cs typeface="+mn-cs"/>
-              </a:defRPr>
-            </a:lvl4pPr>
-            <a:lvl5pPr marL="1828800" algn="l" defTabSz="914400" rtl="0" eaLnBrk="1" latinLnBrk="0" hangingPunct="1">
-              <a:defRPr sz="1800" kern="1200">
-                <a:solidFill>
-                  <a:schemeClr val="lt1"/>
-                </a:solidFill>
-                <a:latin typeface="+mn-lt"/>
-                <a:ea typeface="+mn-ea"/>
-                <a:cs typeface="+mn-cs"/>
-              </a:defRPr>
-            </a:lvl5pPr>
-            <a:lvl6pPr marL="2286000" algn="l" defTabSz="914400" rtl="0" eaLnBrk="1" latinLnBrk="0" hangingPunct="1">
-              <a:defRPr sz="1800" kern="1200">
-                <a:solidFill>
-                  <a:schemeClr val="lt1"/>
-                </a:solidFill>
-                <a:latin typeface="+mn-lt"/>
-                <a:ea typeface="+mn-ea"/>
-                <a:cs typeface="+mn-cs"/>
-              </a:defRPr>
-            </a:lvl6pPr>
-            <a:lvl7pPr marL="2743200" algn="l" defTabSz="914400" rtl="0" eaLnBrk="1" latinLnBrk="0" hangingPunct="1">
-              <a:defRPr sz="1800" kern="1200">
-                <a:solidFill>
-                  <a:schemeClr val="lt1"/>
-                </a:solidFill>
-                <a:latin typeface="+mn-lt"/>
-                <a:ea typeface="+mn-ea"/>
-                <a:cs typeface="+mn-cs"/>
-              </a:defRPr>
-            </a:lvl7pPr>
-            <a:lvl8pPr marL="3200400" algn="l" defTabSz="914400" rtl="0" eaLnBrk="1" latinLnBrk="0" hangingPunct="1">
-              <a:defRPr sz="1800" kern="1200">
-                <a:solidFill>
-                  <a:schemeClr val="lt1"/>
-                </a:solidFill>
-                <a:latin typeface="+mn-lt"/>
-                <a:ea typeface="+mn-ea"/>
-                <a:cs typeface="+mn-cs"/>
-              </a:defRPr>
-            </a:lvl8pPr>
-            <a:lvl9pPr marL="3657600" algn="l" defTabSz="914400" rtl="0" eaLnBrk="1" latinLnBrk="0" hangingPunct="1">
-              <a:defRPr sz="1800" kern="1200">
-                <a:solidFill>
-                  <a:schemeClr val="lt1"/>
-                </a:solidFill>
-                <a:latin typeface="+mn-lt"/>
-                <a:ea typeface="+mn-ea"/>
-                <a:cs typeface="+mn-cs"/>
-              </a:defRPr>
-            </a:lvl9pPr>
-          </a:lstStyle>
-          <a:p>
-            <a:pPr algn="ctr" fontAlgn="base"/>
-            <a:r>
-              <a:rPr lang="en-US" sz="1200" dirty="0"/>
-              <a:t>Spring </a:t>
-            </a:r>
-            <a:r>
-              <a:rPr lang="en-US" sz="1200" dirty="0" smtClean="0"/>
-              <a:t>+ JMS + ActiveMQ </a:t>
-            </a:r>
-            <a:r>
-              <a:rPr lang="en-US" sz="1200" dirty="0"/>
-              <a:t>Example with Annotations</a:t>
-            </a:r>
-          </a:p>
-        </p:txBody>
-      </p:sp>
-      <p:sp>
-        <p:nvSpPr>
           <p:cNvPr id="6" name="AutoShape 2" descr="Image result for activemq image"/>
           <p:cNvSpPr>
             <a:spLocks noChangeAspect="1" noChangeArrowheads="1"/>
@@ -8438,6 +8328,156 @@
           </a:fontRef>
         </p:style>
       </p:cxnSp>
+      <p:sp>
+        <p:nvSpPr>
+          <p:cNvPr id="11" name="Rectangle 10"/>
+          <p:cNvSpPr/>
+          <p:nvPr/>
+        </p:nvSpPr>
+        <p:spPr>
+          <a:xfrm>
+            <a:off x="2088808" y="27801"/>
+            <a:ext cx="5302591" cy="276999"/>
+          </a:xfrm>
+          <a:prstGeom prst="rect">
+            <a:avLst/>
+          </a:prstGeom>
+        </p:spPr>
+        <p:style>
+          <a:lnRef idx="1">
+            <a:schemeClr val="accent4"/>
+          </a:lnRef>
+          <a:fillRef idx="3">
+            <a:schemeClr val="accent4"/>
+          </a:fillRef>
+          <a:effectRef idx="2">
+            <a:schemeClr val="accent4"/>
+          </a:effectRef>
+          <a:fontRef idx="minor">
+            <a:schemeClr val="lt1"/>
+          </a:fontRef>
+        </p:style>
+        <p:txBody>
+          <a:bodyPr wrap="square">
+            <a:spAutoFit/>
+          </a:bodyPr>
+          <a:lstStyle>
+            <a:defPPr>
+              <a:defRPr lang="en-US"/>
+            </a:defPPr>
+            <a:lvl1pPr marL="0" algn="l" defTabSz="914400" rtl="0" eaLnBrk="1" latinLnBrk="0" hangingPunct="1">
+              <a:defRPr sz="1800" kern="1200">
+                <a:solidFill>
+                  <a:schemeClr val="lt1"/>
+                </a:solidFill>
+                <a:latin typeface="+mn-lt"/>
+                <a:ea typeface="+mn-ea"/>
+                <a:cs typeface="+mn-cs"/>
+              </a:defRPr>
+            </a:lvl1pPr>
+            <a:lvl2pPr marL="457200" algn="l" defTabSz="914400" rtl="0" eaLnBrk="1" latinLnBrk="0" hangingPunct="1">
+              <a:defRPr sz="1800" kern="1200">
+                <a:solidFill>
+                  <a:schemeClr val="lt1"/>
+                </a:solidFill>
+                <a:latin typeface="+mn-lt"/>
+                <a:ea typeface="+mn-ea"/>
+                <a:cs typeface="+mn-cs"/>
+              </a:defRPr>
+            </a:lvl2pPr>
+            <a:lvl3pPr marL="914400" algn="l" defTabSz="914400" rtl="0" eaLnBrk="1" latinLnBrk="0" hangingPunct="1">
+              <a:defRPr sz="1800" kern="1200">
+                <a:solidFill>
+                  <a:schemeClr val="lt1"/>
+                </a:solidFill>
+                <a:latin typeface="+mn-lt"/>
+                <a:ea typeface="+mn-ea"/>
+                <a:cs typeface="+mn-cs"/>
+              </a:defRPr>
+            </a:lvl3pPr>
+            <a:lvl4pPr marL="1371600" algn="l" defTabSz="914400" rtl="0" eaLnBrk="1" latinLnBrk="0" hangingPunct="1">
+              <a:defRPr sz="1800" kern="1200">
+                <a:solidFill>
+                  <a:schemeClr val="lt1"/>
+                </a:solidFill>
+                <a:latin typeface="+mn-lt"/>
+                <a:ea typeface="+mn-ea"/>
+                <a:cs typeface="+mn-cs"/>
+              </a:defRPr>
+            </a:lvl4pPr>
+            <a:lvl5pPr marL="1828800" algn="l" defTabSz="914400" rtl="0" eaLnBrk="1" latinLnBrk="0" hangingPunct="1">
+              <a:defRPr sz="1800" kern="1200">
+                <a:solidFill>
+                  <a:schemeClr val="lt1"/>
+                </a:solidFill>
+                <a:latin typeface="+mn-lt"/>
+                <a:ea typeface="+mn-ea"/>
+                <a:cs typeface="+mn-cs"/>
+              </a:defRPr>
+            </a:lvl5pPr>
+            <a:lvl6pPr marL="2286000" algn="l" defTabSz="914400" rtl="0" eaLnBrk="1" latinLnBrk="0" hangingPunct="1">
+              <a:defRPr sz="1800" kern="1200">
+                <a:solidFill>
+                  <a:schemeClr val="lt1"/>
+                </a:solidFill>
+                <a:latin typeface="+mn-lt"/>
+                <a:ea typeface="+mn-ea"/>
+                <a:cs typeface="+mn-cs"/>
+              </a:defRPr>
+            </a:lvl6pPr>
+            <a:lvl7pPr marL="2743200" algn="l" defTabSz="914400" rtl="0" eaLnBrk="1" latinLnBrk="0" hangingPunct="1">
+              <a:defRPr sz="1800" kern="1200">
+                <a:solidFill>
+                  <a:schemeClr val="lt1"/>
+                </a:solidFill>
+                <a:latin typeface="+mn-lt"/>
+                <a:ea typeface="+mn-ea"/>
+                <a:cs typeface="+mn-cs"/>
+              </a:defRPr>
+            </a:lvl7pPr>
+            <a:lvl8pPr marL="3200400" algn="l" defTabSz="914400" rtl="0" eaLnBrk="1" latinLnBrk="0" hangingPunct="1">
+              <a:defRPr sz="1800" kern="1200">
+                <a:solidFill>
+                  <a:schemeClr val="lt1"/>
+                </a:solidFill>
+                <a:latin typeface="+mn-lt"/>
+                <a:ea typeface="+mn-ea"/>
+                <a:cs typeface="+mn-cs"/>
+              </a:defRPr>
+            </a:lvl8pPr>
+            <a:lvl9pPr marL="3657600" algn="l" defTabSz="914400" rtl="0" eaLnBrk="1" latinLnBrk="0" hangingPunct="1">
+              <a:defRPr sz="1800" kern="1200">
+                <a:solidFill>
+                  <a:schemeClr val="lt1"/>
+                </a:solidFill>
+                <a:latin typeface="+mn-lt"/>
+                <a:ea typeface="+mn-ea"/>
+                <a:cs typeface="+mn-cs"/>
+              </a:defRPr>
+            </a:lvl9pPr>
+          </a:lstStyle>
+          <a:p>
+            <a:pPr algn="ctr" fontAlgn="base"/>
+            <a:r>
+              <a:rPr lang="en-US" sz="1200" dirty="0"/>
+              <a:t>Spring </a:t>
+            </a:r>
+            <a:r>
+              <a:rPr lang="en-US" sz="1200" dirty="0" smtClean="0"/>
+              <a:t>+ JMS + ActiveMQ </a:t>
+            </a:r>
+            <a:r>
+              <a:rPr lang="en-US" sz="1200" dirty="0"/>
+              <a:t>Example with </a:t>
+            </a:r>
+            <a:r>
+              <a:rPr lang="en-US" sz="1200" dirty="0" smtClean="0"/>
+              <a:t>Annotations [Send/Receive Text Message]</a:t>
+            </a:r>
+            <a:endParaRPr lang="en-US" sz="1200" dirty="0"/>
+          </a:p>
+        </p:txBody>
+      </p:sp>
     </p:spTree>
     <p:extLst>
       <p:ext uri="{BB962C8B-B14F-4D97-AF65-F5344CB8AC3E}">
